--- a/Peaks_and_Genes_cheatsheet/Peaks_and_Genes_cheatsheet.pptx
+++ b/Peaks_and_Genes_cheatsheet/Peaks_and_Genes_cheatsheet.pptx
@@ -2179,7 +2179,7 @@
           </a:ln>
           <a:extLst>
             <a:ext uri="{C572A759-6A51-4108-AA02-DFA0A04FC94B}">
-              <ma14:wrappingTextBoxFlag xmlns="" xmlns:m="http://schemas.openxmlformats.org/officeDocument/2006/math" xmlns:a14="http://schemas.microsoft.com/office/drawing/2010/main" xmlns:ma14="http://schemas.microsoft.com/office/mac/drawingml/2011/main" val="1"/>
+              <ma14:wrappingTextBoxFlag xmlns:ma14="http://schemas.microsoft.com/office/mac/drawingml/2011/main" xmlns:a14="http://schemas.microsoft.com/office/drawing/2010/main" xmlns:m="http://schemas.openxmlformats.org/officeDocument/2006/math" xmlns="" val="1"/>
             </a:ext>
           </a:extLst>
         </p:spPr>
@@ -2218,7 +2218,7 @@
           </a:ln>
           <a:extLst>
             <a:ext uri="{C572A759-6A51-4108-AA02-DFA0A04FC94B}">
-              <ma14:wrappingTextBoxFlag xmlns="" xmlns:m="http://schemas.openxmlformats.org/officeDocument/2006/math" xmlns:a14="http://schemas.microsoft.com/office/drawing/2010/main" xmlns:ma14="http://schemas.microsoft.com/office/mac/drawingml/2011/main" val="1"/>
+              <ma14:wrappingTextBoxFlag xmlns:ma14="http://schemas.microsoft.com/office/mac/drawingml/2011/main" xmlns:a14="http://schemas.microsoft.com/office/drawing/2010/main" xmlns:m="http://schemas.openxmlformats.org/officeDocument/2006/math" xmlns="" val="1"/>
             </a:ext>
           </a:extLst>
         </p:spPr>
@@ -3139,6 +3139,26 @@
           <a:chExt cx="0" cy="0"/>
         </a:xfrm>
       </p:grpSpPr>
+      <p:graphicFrame>
+        <p:nvGraphicFramePr>
+          <p:cNvPr id="2" name="Object 2"/>
+          <p:cNvGraphicFramePr>
+            <a:graphicFrameLocks noChangeAspect="1"/>
+          </p:cNvGraphicFramePr>
+          <p:nvPr/>
+        </p:nvGraphicFramePr>
+        <p:xfrm>
+          <a:off x="3704686" y="6213759"/>
+          <a:ext cx="2948963" cy="1641768"/>
+        </p:xfrm>
+        <a:graphic>
+          <a:graphicData uri="http://schemas.openxmlformats.org/presentationml/2006/ole">
+            <p:oleObj spid="_x0000_s1026" name="Точечный рисунок" r:id="rId3" imgW="2809524" imgH="1961905" progId="Paint.Picture">
+              <p:embed/>
+            </p:oleObj>
+          </a:graphicData>
+        </a:graphic>
+      </p:graphicFrame>
       <p:sp>
         <p:nvSpPr>
           <p:cNvPr id="217" name="Group"/>
@@ -3194,7 +3214,7 @@
           <p:nvPr/>
         </p:nvPicPr>
         <p:blipFill>
-          <a:blip r:embed="rId2" cstate="print"/>
+          <a:blip r:embed="rId4" cstate="print"/>
           <a:srcRect/>
           <a:stretch>
             <a:fillRect/>
@@ -3226,7 +3246,7 @@
           <p:nvPr/>
         </p:nvPicPr>
         <p:blipFill>
-          <a:blip r:embed="rId3" cstate="print"/>
+          <a:blip r:embed="rId5" cstate="print"/>
           <a:srcRect r="78"/>
           <a:stretch>
             <a:fillRect/>
@@ -3312,7 +3332,7 @@
           </a:ln>
           <a:extLst>
             <a:ext uri="{C572A759-6A51-4108-AA02-DFA0A04FC94B}">
-              <ma14:wrappingTextBoxFlag xmlns="" xmlns:m="http://schemas.openxmlformats.org/officeDocument/2006/math" xmlns:a14="http://schemas.microsoft.com/office/drawing/2010/main" xmlns:ma14="http://schemas.microsoft.com/office/mac/drawingml/2011/main" val="1"/>
+              <ma14:wrappingTextBoxFlag xmlns:ma14="http://schemas.microsoft.com/office/mac/drawingml/2011/main" xmlns:a14="http://schemas.microsoft.com/office/drawing/2010/main" xmlns:m="http://schemas.openxmlformats.org/officeDocument/2006/math" xmlns="" val="1"/>
             </a:ext>
           </a:extLst>
         </p:spPr>
@@ -3436,11 +3456,7 @@
             </a:r>
             <a:r>
               <a:rPr lang="ru-RU" dirty="0" smtClean="0"/>
-              <a:t> </a:t>
-            </a:r>
-            <a:r>
-              <a:rPr lang="ru-RU" dirty="0" smtClean="0"/>
-              <a:t>:</a:t>
+              <a:t> :</a:t>
             </a:r>
             <a:r>
               <a:rPr dirty="0" smtClean="0"/>
@@ -3529,7 +3545,7 @@
           </a:ln>
           <a:extLst>
             <a:ext uri="{C572A759-6A51-4108-AA02-DFA0A04FC94B}">
-              <ma14:wrappingTextBoxFlag xmlns="" xmlns:m="http://schemas.openxmlformats.org/officeDocument/2006/math" xmlns:a14="http://schemas.microsoft.com/office/drawing/2010/main" xmlns:ma14="http://schemas.microsoft.com/office/mac/drawingml/2011/main" val="1"/>
+              <ma14:wrappingTextBoxFlag xmlns:ma14="http://schemas.microsoft.com/office/mac/drawingml/2011/main" xmlns:a14="http://schemas.microsoft.com/office/drawing/2010/main" xmlns:m="http://schemas.openxmlformats.org/officeDocument/2006/math" xmlns="" val="1"/>
             </a:ext>
           </a:extLst>
         </p:spPr>
@@ -3586,23 +3602,7 @@
                 <a:ea typeface="Arial Unicode MS" pitchFamily="34" charset="-128"/>
                 <a:cs typeface="Times New Roman" pitchFamily="18" charset="0"/>
               </a:rPr>
-              <a:t>retrieve and export data from </a:t>
-            </a:r>
-            <a:r>
-              <a:rPr lang="en-US" sz="1400" b="0" dirty="0" smtClean="0">
-                <a:latin typeface="Times New Roman" pitchFamily="18" charset="0"/>
-                <a:ea typeface="Arial Unicode MS" pitchFamily="34" charset="-128"/>
-                <a:cs typeface="Times New Roman" pitchFamily="18" charset="0"/>
-              </a:rPr>
-              <a:t> the </a:t>
-            </a:r>
-            <a:r>
-              <a:rPr lang="en-US" sz="1400" b="0" dirty="0" smtClean="0">
-                <a:latin typeface="Times New Roman" pitchFamily="18" charset="0"/>
-                <a:ea typeface="Arial Unicode MS" pitchFamily="34" charset="-128"/>
-                <a:cs typeface="Times New Roman" pitchFamily="18" charset="0"/>
-              </a:rPr>
-              <a:t>Genome Browser annotation track database</a:t>
+              <a:t>retrieve and export data from  the Genome Browser annotation track database</a:t>
             </a:r>
             <a:endParaRPr sz="1400" b="0" dirty="0">
               <a:latin typeface="Times New Roman" pitchFamily="18" charset="0"/>
@@ -3631,7 +3631,7 @@
           </a:ln>
           <a:extLst>
             <a:ext uri="{C572A759-6A51-4108-AA02-DFA0A04FC94B}">
-              <ma14:wrappingTextBoxFlag xmlns="" xmlns:m="http://schemas.openxmlformats.org/officeDocument/2006/math" xmlns:a14="http://schemas.microsoft.com/office/drawing/2010/main" xmlns:ma14="http://schemas.microsoft.com/office/mac/drawingml/2011/main" val="1"/>
+              <ma14:wrappingTextBoxFlag xmlns:ma14="http://schemas.microsoft.com/office/mac/drawingml/2011/main" xmlns:a14="http://schemas.microsoft.com/office/drawing/2010/main" xmlns:m="http://schemas.openxmlformats.org/officeDocument/2006/math" xmlns="" val="1"/>
             </a:ext>
           </a:extLst>
         </p:spPr>
@@ -3723,7 +3723,7 @@
           </a:ln>
           <a:extLst>
             <a:ext uri="{C572A759-6A51-4108-AA02-DFA0A04FC94B}">
-              <ma14:wrappingTextBoxFlag xmlns="" xmlns:m="http://schemas.openxmlformats.org/officeDocument/2006/math" xmlns:a14="http://schemas.microsoft.com/office/drawing/2010/main" xmlns:ma14="http://schemas.microsoft.com/office/mac/drawingml/2011/main" val="1"/>
+              <ma14:wrappingTextBoxFlag xmlns:ma14="http://schemas.microsoft.com/office/mac/drawingml/2011/main" xmlns:a14="http://schemas.microsoft.com/office/drawing/2010/main" xmlns:m="http://schemas.openxmlformats.org/officeDocument/2006/math" xmlns="" val="1"/>
             </a:ext>
           </a:extLst>
         </p:spPr>
@@ -3815,7 +3815,7 @@
           </a:ln>
           <a:extLst>
             <a:ext uri="{C572A759-6A51-4108-AA02-DFA0A04FC94B}">
-              <ma14:wrappingTextBoxFlag xmlns="" xmlns:m="http://schemas.openxmlformats.org/officeDocument/2006/math" xmlns:a14="http://schemas.microsoft.com/office/drawing/2010/main" xmlns:ma14="http://schemas.microsoft.com/office/mac/drawingml/2011/main" val="1"/>
+              <ma14:wrappingTextBoxFlag xmlns:ma14="http://schemas.microsoft.com/office/mac/drawingml/2011/main" xmlns:a14="http://schemas.microsoft.com/office/drawing/2010/main" xmlns:m="http://schemas.openxmlformats.org/officeDocument/2006/math" xmlns="" val="1"/>
             </a:ext>
           </a:extLst>
         </p:spPr>
@@ -3907,7 +3907,7 @@
           </a:ln>
           <a:extLst>
             <a:ext uri="{C572A759-6A51-4108-AA02-DFA0A04FC94B}">
-              <ma14:wrappingTextBoxFlag xmlns="" xmlns:m="http://schemas.openxmlformats.org/officeDocument/2006/math" xmlns:a14="http://schemas.microsoft.com/office/drawing/2010/main" xmlns:ma14="http://schemas.microsoft.com/office/mac/drawingml/2011/main" val="1"/>
+              <ma14:wrappingTextBoxFlag xmlns:ma14="http://schemas.microsoft.com/office/mac/drawingml/2011/main" xmlns:a14="http://schemas.microsoft.com/office/drawing/2010/main" xmlns:m="http://schemas.openxmlformats.org/officeDocument/2006/math" xmlns="" val="1"/>
             </a:ext>
           </a:extLst>
         </p:spPr>
@@ -3919,7 +3919,9 @@
           <a:p>
             <a:pPr lvl="1" indent="0"/>
             <a:r>
-              <a:rPr lang="en-US" dirty="0" smtClean="0"/>
+              <a:rPr lang="en-US" dirty="0" smtClean="0">
+                <a:hlinkClick r:id="rId6" tooltip="go to UCSC Main tool"/>
+              </a:rPr>
               <a:t>UCSC Main</a:t>
             </a:r>
             <a:endParaRPr lang="en-US" dirty="0"/>
@@ -4022,7 +4024,7 @@
           </a:ln>
           <a:extLst>
             <a:ext uri="{C572A759-6A51-4108-AA02-DFA0A04FC94B}">
-              <ma14:wrappingTextBoxFlag xmlns="" xmlns:m="http://schemas.openxmlformats.org/officeDocument/2006/math" xmlns:a14="http://schemas.microsoft.com/office/drawing/2010/main" xmlns:ma14="http://schemas.microsoft.com/office/mac/drawingml/2011/main" val="1"/>
+              <ma14:wrappingTextBoxFlag xmlns:ma14="http://schemas.microsoft.com/office/mac/drawingml/2011/main" xmlns:a14="http://schemas.microsoft.com/office/drawing/2010/main" xmlns:m="http://schemas.openxmlformats.org/officeDocument/2006/math" xmlns="" val="1"/>
             </a:ext>
           </a:extLst>
         </p:spPr>
@@ -4184,7 +4186,7 @@
         </p:nvSpPr>
         <p:spPr>
           <a:xfrm>
-            <a:off x="7148465" y="5234967"/>
+            <a:off x="3622164" y="3753524"/>
             <a:ext cx="3031485" cy="1"/>
           </a:xfrm>
           <a:prstGeom prst="line">
@@ -4228,7 +4230,7 @@
         </p:nvSpPr>
         <p:spPr>
           <a:xfrm>
-            <a:off x="10564983" y="5249878"/>
+            <a:off x="7341792" y="3753521"/>
             <a:ext cx="3031484" cy="1"/>
           </a:xfrm>
           <a:prstGeom prst="line">
@@ -4401,7 +4403,7 @@
           </a:ln>
           <a:extLst>
             <a:ext uri="{C572A759-6A51-4108-AA02-DFA0A04FC94B}">
-              <ma14:wrappingTextBoxFlag xmlns="" xmlns:m="http://schemas.openxmlformats.org/officeDocument/2006/math" xmlns:a14="http://schemas.microsoft.com/office/drawing/2010/main" xmlns:ma14="http://schemas.microsoft.com/office/mac/drawingml/2011/main" val="1"/>
+              <ma14:wrappingTextBoxFlag xmlns:ma14="http://schemas.microsoft.com/office/mac/drawingml/2011/main" xmlns:a14="http://schemas.microsoft.com/office/drawing/2010/main" xmlns:m="http://schemas.openxmlformats.org/officeDocument/2006/math" xmlns="" val="1"/>
             </a:ext>
           </a:extLst>
         </p:spPr>
@@ -4440,7 +4442,7 @@
         </p:nvSpPr>
         <p:spPr>
           <a:xfrm>
-            <a:off x="237111" y="5234966"/>
+            <a:off x="241300" y="3753523"/>
             <a:ext cx="3031485" cy="1"/>
           </a:xfrm>
           <a:prstGeom prst="line">
@@ -4499,7 +4501,7 @@
           </a:ln>
           <a:extLst>
             <a:ext uri="{C572A759-6A51-4108-AA02-DFA0A04FC94B}">
-              <ma14:wrappingTextBoxFlag xmlns="" xmlns:m="http://schemas.openxmlformats.org/officeDocument/2006/math" xmlns:a14="http://schemas.microsoft.com/office/drawing/2010/main" xmlns:ma14="http://schemas.microsoft.com/office/mac/drawingml/2011/main" val="1"/>
+              <ma14:wrappingTextBoxFlag xmlns:ma14="http://schemas.microsoft.com/office/mac/drawingml/2011/main" xmlns:a14="http://schemas.microsoft.com/office/drawing/2010/main" xmlns:m="http://schemas.openxmlformats.org/officeDocument/2006/math" xmlns="" val="1"/>
             </a:ext>
           </a:extLst>
         </p:spPr>
@@ -4531,23 +4533,11 @@
             </a:r>
             <a:r>
               <a:rPr lang="en-US" dirty="0" smtClean="0"/>
-              <a:t>select dataset</a:t>
-            </a:r>
-            <a:r>
-              <a:rPr lang="en-US" dirty="0" smtClean="0"/>
-              <a:t>, define region of interest </a:t>
+              <a:t>select dataset, define region of interest </a:t>
             </a:r>
             <a:r>
               <a:rPr lang="en-US" b="0" dirty="0" smtClean="0"/>
-              <a:t>(genome | position + </a:t>
-            </a:r>
-            <a:r>
-              <a:rPr lang="en-US" b="0" dirty="0" smtClean="0"/>
-              <a:t>identifiers)</a:t>
-            </a:r>
-            <a:r>
-              <a:rPr lang="en-US" b="0" dirty="0" smtClean="0"/>
-              <a:t> then </a:t>
+              <a:t>(genome | position + identifiers) then </a:t>
             </a:r>
             <a:r>
               <a:rPr lang="en-US" dirty="0" smtClean="0"/>
@@ -4586,7 +4576,7 @@
           </a:ln>
           <a:extLst>
             <a:ext uri="{C572A759-6A51-4108-AA02-DFA0A04FC94B}">
-              <ma14:wrappingTextBoxFlag xmlns="" xmlns:m="http://schemas.openxmlformats.org/officeDocument/2006/math" xmlns:a14="http://schemas.microsoft.com/office/drawing/2010/main" xmlns:ma14="http://schemas.microsoft.com/office/mac/drawingml/2011/main" val="1"/>
+              <ma14:wrappingTextBoxFlag xmlns:ma14="http://schemas.microsoft.com/office/mac/drawingml/2011/main" xmlns:a14="http://schemas.microsoft.com/office/drawing/2010/main" xmlns:m="http://schemas.openxmlformats.org/officeDocument/2006/math" xmlns="" val="1"/>
             </a:ext>
           </a:extLst>
         </p:spPr>
@@ -4630,11 +4620,7 @@
             </a:r>
             <a:r>
               <a:rPr lang="en-US" b="0" dirty="0" smtClean="0"/>
-              <a:t>data is in ASCII </a:t>
-            </a:r>
-            <a:r>
-              <a:rPr lang="en-US" b="0" dirty="0" smtClean="0"/>
-              <a:t>format, or as </a:t>
+              <a:t>data is in ASCII format, or as </a:t>
             </a:r>
             <a:r>
               <a:rPr lang="en-US" dirty="0" smtClean="0">
@@ -4674,19 +4660,7 @@
             </a:r>
             <a:r>
               <a:rPr lang="en-US" b="0" dirty="0" smtClean="0"/>
-              <a:t>compressed </a:t>
-            </a:r>
-            <a:r>
-              <a:rPr lang="en-US" b="0" dirty="0" smtClean="0"/>
-              <a:t>archive </a:t>
-            </a:r>
-            <a:r>
-              <a:rPr lang="en-US" b="0" dirty="0" smtClean="0"/>
-              <a:t>format for </a:t>
-            </a:r>
-            <a:r>
-              <a:rPr lang="en-US" b="0" dirty="0" smtClean="0"/>
-              <a:t>Linux|Unix </a:t>
+              <a:t>compressed archive format for Linux|Unix </a:t>
             </a:r>
           </a:p>
           <a:p>
@@ -4725,7 +4699,7 @@
           </a:effectLst>
           <a:extLst>
             <a:ext uri="{C572A759-6A51-4108-AA02-DFA0A04FC94B}">
-              <ma14:wrappingTextBoxFlag xmlns="" xmlns:m="http://schemas.openxmlformats.org/officeDocument/2006/math" xmlns:a14="http://schemas.microsoft.com/office/drawing/2010/main" xmlns:ma14="http://schemas.microsoft.com/office/mac/drawingml/2011/main" val="1"/>
+              <ma14:wrappingTextBoxFlag xmlns:ma14="http://schemas.microsoft.com/office/mac/drawingml/2011/main" xmlns:a14="http://schemas.microsoft.com/office/drawing/2010/main" xmlns:m="http://schemas.openxmlformats.org/officeDocument/2006/math" xmlns="" val="1"/>
             </a:ext>
           </a:extLst>
         </p:spPr>
@@ -4825,7 +4799,9 @@
           <a:lstStyle/>
           <a:p>
             <a:r>
-              <a:rPr lang="en-US" sz="1400" dirty="0" smtClean="0"/>
+              <a:rPr lang="en-US" sz="1400" dirty="0" smtClean="0">
+                <a:hlinkClick r:id="rId7" tooltip="Go to Select tool"/>
+              </a:rPr>
               <a:t>Select last </a:t>
             </a:r>
             <a:endParaRPr lang="ru-RU" sz="1400" dirty="0" smtClean="0"/>
@@ -4857,7 +4833,7 @@
           </a:ln>
           <a:extLst>
             <a:ext uri="{C572A759-6A51-4108-AA02-DFA0A04FC94B}">
-              <ma14:wrappingTextBoxFlag xmlns="" xmlns:m="http://schemas.openxmlformats.org/officeDocument/2006/math" xmlns:a14="http://schemas.microsoft.com/office/drawing/2010/main" xmlns:ma14="http://schemas.microsoft.com/office/mac/drawingml/2011/main" val="1"/>
+              <ma14:wrappingTextBoxFlag xmlns:ma14="http://schemas.microsoft.com/office/mac/drawingml/2011/main" xmlns:a14="http://schemas.microsoft.com/office/drawing/2010/main" xmlns:m="http://schemas.openxmlformats.org/officeDocument/2006/math" xmlns="" val="1"/>
             </a:ext>
           </a:extLst>
         </p:spPr>
@@ -4893,18 +4869,20 @@
               </a:defRPr>
             </a:pPr>
             <a:r>
-              <a:rPr lang="en-US" sz="1400" b="0" dirty="0" smtClean="0"/>
-              <a:t>Keep</a:t>
-            </a:r>
-            <a:r>
-              <a:rPr lang="en-US" sz="1400" b="0" dirty="0" smtClean="0"/>
-              <a:t> the last X lines in a </a:t>
-            </a:r>
-            <a:r>
-              <a:rPr lang="en-US" sz="1400" b="0" dirty="0" smtClean="0"/>
-              <a:t>dataset. </a:t>
-            </a:r>
-            <a:endParaRPr sz="1400" b="0" dirty="0">
+              <a:rPr lang="en-US" sz="1400" b="0" dirty="0" smtClean="0">
+                <a:solidFill>
+                  <a:srgbClr val="000000"/>
+                </a:solidFill>
+                <a:latin typeface="Times New Roman" pitchFamily="18" charset="0"/>
+                <a:ea typeface="Arial Unicode MS" pitchFamily="34" charset="-128"/>
+                <a:cs typeface="Times New Roman" pitchFamily="18" charset="0"/>
+              </a:rPr>
+              <a:t>Keep the last X lines in a dataset. </a:t>
+            </a:r>
+            <a:endParaRPr lang="en-US" sz="1400" b="0" dirty="0">
+              <a:solidFill>
+                <a:srgbClr val="000000"/>
+              </a:solidFill>
               <a:latin typeface="Times New Roman" pitchFamily="18" charset="0"/>
               <a:ea typeface="Arial Unicode MS" pitchFamily="34" charset="-128"/>
               <a:cs typeface="Times New Roman" pitchFamily="18" charset="0"/>
@@ -4935,7 +4913,7 @@
           </a:ln>
           <a:extLst>
             <a:ext uri="{C572A759-6A51-4108-AA02-DFA0A04FC94B}">
-              <ma14:wrappingTextBoxFlag xmlns="" xmlns:m="http://schemas.openxmlformats.org/officeDocument/2006/math" xmlns:a14="http://schemas.microsoft.com/office/drawing/2010/main" xmlns:ma14="http://schemas.microsoft.com/office/mac/drawingml/2011/main" val="1"/>
+              <ma14:wrappingTextBoxFlag xmlns:ma14="http://schemas.microsoft.com/office/mac/drawingml/2011/main" xmlns:a14="http://schemas.microsoft.com/office/drawing/2010/main" xmlns:m="http://schemas.openxmlformats.org/officeDocument/2006/math" xmlns="" val="1"/>
             </a:ext>
           </a:extLst>
         </p:spPr>
@@ -4974,7 +4952,7 @@
           <p:nvPr/>
         </p:nvGraphicFramePr>
         <p:xfrm>
-          <a:off x="3551234" y="2793754"/>
+          <a:off x="5212345" y="2901766"/>
           <a:ext cx="1694854" cy="668259"/>
         </p:xfrm>
         <a:graphic>
@@ -5254,7 +5232,7 @@
                         </a:spcAft>
                       </a:pPr>
                       <a:r>
-                        <a:rPr lang="en-US" sz="1050" b="1" dirty="0" err="1">
+                        <a:rPr lang="en-US" sz="1050" b="1" dirty="0">
                           <a:effectLst>
                             <a:outerShdw blurRad="50800" dist="50800" dir="5400000" algn="ctr" rotWithShape="0">
                               <a:schemeClr val="bg1">
@@ -6014,8 +5992,8 @@
           <p:nvPr/>
         </p:nvGraphicFramePr>
         <p:xfrm>
-          <a:off x="5471527" y="2935606"/>
-          <a:ext cx="1435672" cy="384556"/>
+          <a:off x="7511554" y="3077459"/>
+          <a:ext cx="1435672" cy="355092"/>
         </p:xfrm>
         <a:graphic>
           <a:graphicData uri="http://schemas.openxmlformats.org/drawingml/2006/table">
@@ -6342,7 +6320,7 @@
                         </a:spcAft>
                       </a:pPr>
                       <a:r>
-                        <a:rPr lang="en-US" sz="1050" b="1" i="0" u="none" strike="noStrike" cap="none" spc="0" baseline="0">
+                        <a:rPr lang="en-US" sz="1050" b="1" i="0" u="none" strike="noStrike" cap="none" spc="0" baseline="0" dirty="0">
                           <a:ln>
                             <a:noFill/>
                           </a:ln>
@@ -6364,7 +6342,7 @@
                         </a:rPr>
                         <a:t>geneB</a:t>
                       </a:r>
-                      <a:endParaRPr lang="ru-RU" sz="1050" b="1" i="0" u="none" strike="noStrike" cap="none" spc="0" baseline="0">
+                      <a:endParaRPr lang="ru-RU" sz="1050" b="1" i="0" u="none" strike="noStrike" cap="none" spc="0" baseline="0" dirty="0">
                         <a:ln>
                           <a:noFill/>
                         </a:ln>
@@ -6840,7 +6818,7 @@
           <p:cNvPr id="215" name="Line">
             <a:extLst>
               <a:ext uri="{FF2B5EF4-FFF2-40B4-BE49-F238E27FC236}">
-                <a16:creationId xmlns:a16="http://schemas.microsoft.com/office/drawing/2014/main" xmlns="" id="{7668FFBE-924A-3044-A9A0-8EEB7253E34D}"/>
+                <a16:creationId xmlns="" xmlns:a16="http://schemas.microsoft.com/office/drawing/2014/main" id="{7668FFBE-924A-3044-A9A0-8EEB7253E34D}"/>
               </a:ext>
             </a:extLst>
           </p:cNvPr>
@@ -6849,7 +6827,7 @@
         </p:nvSpPr>
         <p:spPr>
           <a:xfrm>
-            <a:off x="5331877" y="3127885"/>
+            <a:off x="7271988" y="3255818"/>
             <a:ext cx="139607" cy="2"/>
           </a:xfrm>
           <a:prstGeom prst="line">
@@ -6898,7 +6876,7 @@
           </a:effectLst>
           <a:extLst>
             <a:ext uri="{C572A759-6A51-4108-AA02-DFA0A04FC94B}">
-              <ma14:wrappingTextBoxFlag xmlns="" xmlns:m="http://schemas.openxmlformats.org/officeDocument/2006/math" xmlns:a14="http://schemas.microsoft.com/office/drawing/2010/main" xmlns:ma14="http://schemas.microsoft.com/office/mac/drawingml/2011/main" val="1"/>
+              <ma14:wrappingTextBoxFlag xmlns:ma14="http://schemas.microsoft.com/office/mac/drawingml/2011/main" xmlns:a14="http://schemas.microsoft.com/office/drawing/2010/main" xmlns:m="http://schemas.openxmlformats.org/officeDocument/2006/math" xmlns="" val="1"/>
             </a:ext>
           </a:extLst>
         </p:spPr>
@@ -6922,13 +6900,9 @@
           <a:p>
             <a:r>
               <a:rPr lang="en-US" sz="1400" dirty="0" smtClean="0"/>
-              <a:t>Retrieve list of genes of an animals, viruses, insects for i.e. mice etc.</a:t>
-            </a:r>
-            <a:endParaRPr sz="1400" b="0" dirty="0">
-              <a:latin typeface="Times New Roman" pitchFamily="18" charset="0"/>
-              <a:ea typeface="Arial Unicode MS" pitchFamily="34" charset="-128"/>
-              <a:cs typeface="Times New Roman" pitchFamily="18" charset="0"/>
-            </a:endParaRPr>
+              <a:t>to compare the two files, to make sure that the chromosome names follow the same format</a:t>
+            </a:r>
+            <a:endParaRPr lang="ru-RU" sz="1400" dirty="0"/>
           </a:p>
         </p:txBody>
       </p:sp>
@@ -6941,7 +6915,7 @@
           <p:nvPr/>
         </p:nvPicPr>
         <p:blipFill>
-          <a:blip r:embed="rId4" cstate="print"/>
+          <a:blip r:embed="rId8" cstate="print"/>
           <a:srcRect/>
           <a:stretch>
             <a:fillRect/>
@@ -6958,6 +6932,2145 @@
           <a:noFill/>
         </p:spPr>
       </p:pic>
+      <p:sp>
+        <p:nvSpPr>
+          <p:cNvPr id="40" name="Cheatsheets make it easy for R users…"/>
+          <p:cNvSpPr txBox="1"/>
+          <p:nvPr/>
+        </p:nvSpPr>
+        <p:spPr>
+          <a:xfrm>
+            <a:off x="7195242" y="2650597"/>
+            <a:ext cx="3091601" cy="251169"/>
+          </a:xfrm>
+          <a:prstGeom prst="rect">
+            <a:avLst/>
+          </a:prstGeom>
+          <a:noFill/>
+          <a:ln>
+            <a:solidFill>
+              <a:schemeClr val="bg1">
+                <a:lumMod val="85000"/>
+              </a:schemeClr>
+            </a:solidFill>
+            <a:prstDash val="sysDot"/>
+          </a:ln>
+          <a:extLst>
+            <a:ext uri="{C572A759-6A51-4108-AA02-DFA0A04FC94B}">
+              <ma14:wrappingTextBoxFlag xmlns:ma14="http://schemas.microsoft.com/office/mac/drawingml/2011/main" xmlns:a14="http://schemas.microsoft.com/office/drawing/2010/main" xmlns:m="http://schemas.openxmlformats.org/officeDocument/2006/math" xmlns="" val="1"/>
+            </a:ext>
+          </a:extLst>
+        </p:spPr>
+        <p:style>
+          <a:lnRef idx="2">
+            <a:schemeClr val="accent6"/>
+          </a:lnRef>
+          <a:fillRef idx="1">
+            <a:schemeClr val="lt1"/>
+          </a:fillRef>
+          <a:effectRef idx="0">
+            <a:schemeClr val="accent6"/>
+          </a:effectRef>
+          <a:fontRef idx="minor">
+            <a:schemeClr val="dk1"/>
+          </a:fontRef>
+        </p:style>
+        <p:txBody>
+          <a:bodyPr lIns="12700" tIns="12700" rIns="12700" bIns="12700"/>
+          <a:lstStyle/>
+          <a:p>
+            <a:r>
+              <a:rPr lang="en-US" b="0" dirty="0" smtClean="0"/>
+              <a:t>File format is not restricted, dataset table</a:t>
+            </a:r>
+          </a:p>
+          <a:p>
+            <a:endParaRPr sz="1400" b="0" dirty="0">
+              <a:latin typeface="Times New Roman" pitchFamily="18" charset="0"/>
+              <a:ea typeface="Arial Unicode MS" pitchFamily="34" charset="-128"/>
+              <a:cs typeface="Times New Roman" pitchFamily="18" charset="0"/>
+            </a:endParaRPr>
+          </a:p>
+        </p:txBody>
+      </p:sp>
+      <p:sp>
+        <p:nvSpPr>
+          <p:cNvPr id="41" name="Line"/>
+          <p:cNvSpPr/>
+          <p:nvPr/>
+        </p:nvSpPr>
+        <p:spPr>
+          <a:xfrm flipV="1">
+            <a:off x="10787890" y="3753522"/>
+            <a:ext cx="2832670" cy="4"/>
+          </a:xfrm>
+          <a:prstGeom prst="line">
+            <a:avLst/>
+          </a:prstGeom>
+          <a:ln w="12700">
+            <a:solidFill>
+              <a:srgbClr val="4C4C4C"/>
+            </a:solidFill>
+            <a:custDash>
+              <a:ds d="100000" sp="200000"/>
+            </a:custDash>
+          </a:ln>
+        </p:spPr>
+        <p:txBody>
+          <a:bodyPr lIns="54570" tIns="54570" rIns="54570" bIns="54570" anchor="ctr"/>
+          <a:lstStyle/>
+          <a:p>
+            <a:pPr>
+              <a:lnSpc>
+                <a:spcPct val="80000"/>
+              </a:lnSpc>
+              <a:spcBef>
+                <a:spcPts val="600"/>
+              </a:spcBef>
+              <a:defRPr b="0">
+                <a:solidFill>
+                  <a:srgbClr val="000000"/>
+                </a:solidFill>
+              </a:defRPr>
+            </a:pPr>
+            <a:endParaRPr/>
+          </a:p>
+        </p:txBody>
+      </p:sp>
+      <p:sp>
+        <p:nvSpPr>
+          <p:cNvPr id="42" name="code"/>
+          <p:cNvSpPr/>
+          <p:nvPr/>
+        </p:nvSpPr>
+        <p:spPr>
+          <a:xfrm flipH="1">
+            <a:off x="4313568" y="3182508"/>
+            <a:ext cx="898777" cy="279507"/>
+          </a:xfrm>
+          <a:custGeom>
+            <a:avLst/>
+            <a:gdLst/>
+            <a:ahLst/>
+            <a:cxnLst>
+              <a:cxn ang="0">
+                <a:pos x="wd2" y="hd2"/>
+              </a:cxn>
+              <a:cxn ang="5400000">
+                <a:pos x="wd2" y="hd2"/>
+              </a:cxn>
+              <a:cxn ang="10800000">
+                <a:pos x="wd2" y="hd2"/>
+              </a:cxn>
+              <a:cxn ang="16200000">
+                <a:pos x="wd2" y="hd2"/>
+              </a:cxn>
+            </a:cxnLst>
+            <a:rect l="0" t="0" r="r" b="b"/>
+            <a:pathLst>
+              <a:path w="21600" h="21600" extrusionOk="0">
+                <a:moveTo>
+                  <a:pt x="4355" y="0"/>
+                </a:moveTo>
+                <a:lnTo>
+                  <a:pt x="5563" y="5109"/>
+                </a:lnTo>
+                <a:lnTo>
+                  <a:pt x="1832" y="5109"/>
+                </a:lnTo>
+                <a:cubicBezTo>
+                  <a:pt x="822" y="5109"/>
+                  <a:pt x="0" y="6352"/>
+                  <a:pt x="0" y="7877"/>
+                </a:cubicBezTo>
+                <a:lnTo>
+                  <a:pt x="0" y="18832"/>
+                </a:lnTo>
+                <a:cubicBezTo>
+                  <a:pt x="0" y="20357"/>
+                  <a:pt x="822" y="21600"/>
+                  <a:pt x="1832" y="21600"/>
+                </a:cubicBezTo>
+                <a:lnTo>
+                  <a:pt x="19778" y="21600"/>
+                </a:lnTo>
+                <a:cubicBezTo>
+                  <a:pt x="20787" y="21600"/>
+                  <a:pt x="21600" y="20357"/>
+                  <a:pt x="21600" y="18832"/>
+                </a:cubicBezTo>
+                <a:lnTo>
+                  <a:pt x="21600" y="7877"/>
+                </a:lnTo>
+                <a:cubicBezTo>
+                  <a:pt x="21600" y="6352"/>
+                  <a:pt x="20787" y="5109"/>
+                  <a:pt x="19778" y="5109"/>
+                </a:cubicBezTo>
+                <a:lnTo>
+                  <a:pt x="8759" y="5109"/>
+                </a:lnTo>
+                <a:lnTo>
+                  <a:pt x="4355" y="0"/>
+                </a:lnTo>
+                <a:close/>
+              </a:path>
+            </a:pathLst>
+          </a:custGeom>
+          <a:solidFill>
+            <a:schemeClr val="accent4">
+              <a:lumMod val="20000"/>
+              <a:lumOff val="80000"/>
+            </a:schemeClr>
+          </a:solidFill>
+          <a:ln>
+            <a:solidFill>
+              <a:schemeClr val="accent4">
+                <a:lumMod val="60000"/>
+                <a:lumOff val="40000"/>
+              </a:schemeClr>
+            </a:solidFill>
+          </a:ln>
+          <a:extLst>
+            <a:ext uri="{C572A759-6A51-4108-AA02-DFA0A04FC94B}">
+              <ma14:wrappingTextBoxFlag xmlns:ma14="http://schemas.microsoft.com/office/mac/drawingml/2011/main" xmlns:a14="http://schemas.microsoft.com/office/drawing/2010/main" xmlns:m="http://schemas.openxmlformats.org/officeDocument/2006/math" xmlns="" val="1"/>
+            </a:ext>
+          </a:extLst>
+        </p:spPr>
+        <p:style>
+          <a:lnRef idx="1">
+            <a:schemeClr val="accent4"/>
+          </a:lnRef>
+          <a:fillRef idx="2">
+            <a:schemeClr val="accent4"/>
+          </a:fillRef>
+          <a:effectRef idx="1">
+            <a:schemeClr val="accent4"/>
+          </a:effectRef>
+          <a:fontRef idx="minor">
+            <a:schemeClr val="dk1"/>
+          </a:fontRef>
+        </p:style>
+        <p:txBody>
+          <a:bodyPr lIns="0" tIns="0" rIns="0" bIns="0" anchor="ctr"/>
+          <a:lstStyle>
+            <a:lvl1pPr algn="ctr">
+              <a:lnSpc>
+                <a:spcPct val="80000"/>
+              </a:lnSpc>
+              <a:spcBef>
+                <a:spcPts val="0"/>
+              </a:spcBef>
+              <a:buClr>
+                <a:schemeClr val="accent4">
+                  <a:hueOff val="384618"/>
+                  <a:satOff val="3869"/>
+                  <a:lumOff val="5802"/>
+                </a:schemeClr>
+              </a:buClr>
+              <a:defRPr>
+                <a:solidFill>
+                  <a:srgbClr val="FFFFFF"/>
+                </a:solidFill>
+              </a:defRPr>
+            </a:lvl1pPr>
+          </a:lstStyle>
+          <a:p>
+            <a:endParaRPr lang="en-US" dirty="0" smtClean="0">
+              <a:solidFill>
+                <a:schemeClr val="tx1"/>
+              </a:solidFill>
+            </a:endParaRPr>
+          </a:p>
+          <a:p>
+            <a:r>
+              <a:rPr lang="en-US" dirty="0" smtClean="0">
+                <a:solidFill>
+                  <a:schemeClr val="tx1"/>
+                </a:solidFill>
+              </a:rPr>
+              <a:t> Input table</a:t>
+            </a:r>
+            <a:endParaRPr dirty="0">
+              <a:solidFill>
+                <a:schemeClr val="tx1"/>
+              </a:solidFill>
+            </a:endParaRPr>
+          </a:p>
+        </p:txBody>
+      </p:sp>
+      <p:sp>
+        <p:nvSpPr>
+          <p:cNvPr id="43" name="Line"/>
+          <p:cNvSpPr/>
+          <p:nvPr/>
+        </p:nvSpPr>
+        <p:spPr>
+          <a:xfrm>
+            <a:off x="7124372" y="5209305"/>
+            <a:ext cx="3031485" cy="1"/>
+          </a:xfrm>
+          <a:prstGeom prst="line">
+            <a:avLst/>
+          </a:prstGeom>
+          <a:ln w="12700">
+            <a:solidFill>
+              <a:srgbClr val="4C4C4C"/>
+            </a:solidFill>
+            <a:custDash>
+              <a:ds d="100000" sp="200000"/>
+            </a:custDash>
+          </a:ln>
+        </p:spPr>
+        <p:txBody>
+          <a:bodyPr lIns="54570" tIns="54570" rIns="54570" bIns="54570" anchor="ctr"/>
+          <a:lstStyle/>
+          <a:p>
+            <a:pPr>
+              <a:lnSpc>
+                <a:spcPct val="80000"/>
+              </a:lnSpc>
+              <a:spcBef>
+                <a:spcPts val="600"/>
+              </a:spcBef>
+              <a:defRPr b="0">
+                <a:solidFill>
+                  <a:srgbClr val="000000"/>
+                </a:solidFill>
+              </a:defRPr>
+            </a:pPr>
+            <a:endParaRPr/>
+          </a:p>
+        </p:txBody>
+      </p:sp>
+      <p:sp>
+        <p:nvSpPr>
+          <p:cNvPr id="44" name="Прямоугольник 43"/>
+          <p:cNvSpPr/>
+          <p:nvPr/>
+        </p:nvSpPr>
+        <p:spPr>
+          <a:xfrm>
+            <a:off x="237111" y="3753526"/>
+            <a:ext cx="2937198" cy="307777"/>
+          </a:xfrm>
+          <a:prstGeom prst="rect">
+            <a:avLst/>
+          </a:prstGeom>
+        </p:spPr>
+        <p:txBody>
+          <a:bodyPr wrap="square">
+            <a:spAutoFit/>
+          </a:bodyPr>
+          <a:lstStyle/>
+          <a:p>
+            <a:r>
+              <a:rPr lang="en-US" sz="1400" dirty="0" smtClean="0">
+                <a:hlinkClick r:id="rId9" tooltip="Go to Replace Text tool"/>
+              </a:rPr>
+              <a:t>Replace Text  in a specific column</a:t>
+            </a:r>
+            <a:endParaRPr lang="ru-RU" sz="1400" dirty="0" smtClean="0"/>
+          </a:p>
+        </p:txBody>
+      </p:sp>
+      <p:sp>
+        <p:nvSpPr>
+          <p:cNvPr id="46" name="Cheatsheets make it easy for R users…"/>
+          <p:cNvSpPr txBox="1"/>
+          <p:nvPr/>
+        </p:nvSpPr>
+        <p:spPr>
+          <a:xfrm>
+            <a:off x="344041" y="4191001"/>
+            <a:ext cx="2830268" cy="699654"/>
+          </a:xfrm>
+          <a:prstGeom prst="rect">
+            <a:avLst/>
+          </a:prstGeom>
+          <a:noFill/>
+          <a:ln>
+            <a:solidFill>
+              <a:schemeClr val="accent4">
+                <a:lumMod val="60000"/>
+                <a:lumOff val="40000"/>
+              </a:schemeClr>
+            </a:solidFill>
+          </a:ln>
+          <a:extLst>
+            <a:ext uri="{C572A759-6A51-4108-AA02-DFA0A04FC94B}">
+              <ma14:wrappingTextBoxFlag xmlns:ma14="http://schemas.microsoft.com/office/mac/drawingml/2011/main" xmlns:a14="http://schemas.microsoft.com/office/drawing/2010/main" xmlns:m="http://schemas.openxmlformats.org/officeDocument/2006/math" xmlns="" val="1"/>
+            </a:ext>
+          </a:extLst>
+        </p:spPr>
+        <p:style>
+          <a:lnRef idx="2">
+            <a:schemeClr val="accent4"/>
+          </a:lnRef>
+          <a:fillRef idx="1">
+            <a:schemeClr val="lt1"/>
+          </a:fillRef>
+          <a:effectRef idx="0">
+            <a:schemeClr val="accent4"/>
+          </a:effectRef>
+          <a:fontRef idx="minor">
+            <a:schemeClr val="dk1"/>
+          </a:fontRef>
+        </p:style>
+        <p:txBody>
+          <a:bodyPr lIns="12700" tIns="12700" rIns="12700" bIns="12700"/>
+          <a:lstStyle/>
+          <a:p>
+            <a:pPr>
+              <a:lnSpc>
+                <a:spcPct val="90000"/>
+              </a:lnSpc>
+              <a:spcBef>
+                <a:spcPts val="0"/>
+              </a:spcBef>
+              <a:defRPr>
+                <a:solidFill>
+                  <a:srgbClr val="000000"/>
+                </a:solidFill>
+              </a:defRPr>
+            </a:pPr>
+            <a:r>
+              <a:rPr lang="en-US" sz="1400" b="0" dirty="0" smtClean="0">
+                <a:solidFill>
+                  <a:srgbClr val="000000"/>
+                </a:solidFill>
+                <a:latin typeface="Times New Roman" pitchFamily="18" charset="0"/>
+                <a:ea typeface="Arial Unicode MS" pitchFamily="34" charset="-128"/>
+                <a:cs typeface="Times New Roman" pitchFamily="18" charset="0"/>
+              </a:rPr>
+              <a:t>Perform </a:t>
+            </a:r>
+            <a:r>
+              <a:rPr lang="en-US" sz="1400" b="0" dirty="0" smtClean="0">
+                <a:solidFill>
+                  <a:srgbClr val="000000"/>
+                </a:solidFill>
+                <a:latin typeface="Times New Roman" pitchFamily="18" charset="0"/>
+                <a:ea typeface="Arial Unicode MS" pitchFamily="34" charset="-128"/>
+                <a:cs typeface="Times New Roman" pitchFamily="18" charset="0"/>
+              </a:rPr>
+              <a:t>find &amp; replace operation on a specified column in a given file. </a:t>
+            </a:r>
+            <a:endParaRPr lang="ru-RU" sz="1400" b="0" dirty="0" smtClean="0">
+              <a:solidFill>
+                <a:srgbClr val="000000"/>
+              </a:solidFill>
+              <a:latin typeface="Times New Roman" pitchFamily="18" charset="0"/>
+              <a:ea typeface="Arial Unicode MS" pitchFamily="34" charset="-128"/>
+              <a:cs typeface="Times New Roman" pitchFamily="18" charset="0"/>
+            </a:endParaRPr>
+          </a:p>
+        </p:txBody>
+      </p:sp>
+      <p:sp>
+        <p:nvSpPr>
+          <p:cNvPr id="47" name="code"/>
+          <p:cNvSpPr/>
+          <p:nvPr/>
+        </p:nvSpPr>
+        <p:spPr>
+          <a:xfrm flipH="1">
+            <a:off x="608272" y="4750901"/>
+            <a:ext cx="2338129" cy="279508"/>
+          </a:xfrm>
+          <a:custGeom>
+            <a:avLst/>
+            <a:gdLst/>
+            <a:ahLst/>
+            <a:cxnLst>
+              <a:cxn ang="0">
+                <a:pos x="wd2" y="hd2"/>
+              </a:cxn>
+              <a:cxn ang="5400000">
+                <a:pos x="wd2" y="hd2"/>
+              </a:cxn>
+              <a:cxn ang="10800000">
+                <a:pos x="wd2" y="hd2"/>
+              </a:cxn>
+              <a:cxn ang="16200000">
+                <a:pos x="wd2" y="hd2"/>
+              </a:cxn>
+            </a:cxnLst>
+            <a:rect l="0" t="0" r="r" b="b"/>
+            <a:pathLst>
+              <a:path w="21600" h="21600" extrusionOk="0">
+                <a:moveTo>
+                  <a:pt x="4355" y="0"/>
+                </a:moveTo>
+                <a:lnTo>
+                  <a:pt x="5563" y="5109"/>
+                </a:lnTo>
+                <a:lnTo>
+                  <a:pt x="1832" y="5109"/>
+                </a:lnTo>
+                <a:cubicBezTo>
+                  <a:pt x="822" y="5109"/>
+                  <a:pt x="0" y="6352"/>
+                  <a:pt x="0" y="7877"/>
+                </a:cubicBezTo>
+                <a:lnTo>
+                  <a:pt x="0" y="18832"/>
+                </a:lnTo>
+                <a:cubicBezTo>
+                  <a:pt x="0" y="20357"/>
+                  <a:pt x="822" y="21600"/>
+                  <a:pt x="1832" y="21600"/>
+                </a:cubicBezTo>
+                <a:lnTo>
+                  <a:pt x="19778" y="21600"/>
+                </a:lnTo>
+                <a:cubicBezTo>
+                  <a:pt x="20787" y="21600"/>
+                  <a:pt x="21600" y="20357"/>
+                  <a:pt x="21600" y="18832"/>
+                </a:cubicBezTo>
+                <a:lnTo>
+                  <a:pt x="21600" y="7877"/>
+                </a:lnTo>
+                <a:cubicBezTo>
+                  <a:pt x="21600" y="6352"/>
+                  <a:pt x="20787" y="5109"/>
+                  <a:pt x="19778" y="5109"/>
+                </a:cubicBezTo>
+                <a:lnTo>
+                  <a:pt x="8759" y="5109"/>
+                </a:lnTo>
+                <a:lnTo>
+                  <a:pt x="4355" y="0"/>
+                </a:lnTo>
+                <a:close/>
+              </a:path>
+            </a:pathLst>
+          </a:custGeom>
+          <a:solidFill>
+            <a:schemeClr val="accent4">
+              <a:lumMod val="20000"/>
+              <a:lumOff val="80000"/>
+            </a:schemeClr>
+          </a:solidFill>
+          <a:ln>
+            <a:solidFill>
+              <a:schemeClr val="accent4">
+                <a:lumMod val="60000"/>
+                <a:lumOff val="40000"/>
+              </a:schemeClr>
+            </a:solidFill>
+          </a:ln>
+          <a:extLst>
+            <a:ext uri="{C572A759-6A51-4108-AA02-DFA0A04FC94B}">
+              <ma14:wrappingTextBoxFlag xmlns:ma14="http://schemas.microsoft.com/office/mac/drawingml/2011/main" xmlns:a14="http://schemas.microsoft.com/office/drawing/2010/main" xmlns:m="http://schemas.openxmlformats.org/officeDocument/2006/math" xmlns="" val="1"/>
+            </a:ext>
+          </a:extLst>
+        </p:spPr>
+        <p:style>
+          <a:lnRef idx="1">
+            <a:schemeClr val="accent4"/>
+          </a:lnRef>
+          <a:fillRef idx="2">
+            <a:schemeClr val="accent4"/>
+          </a:fillRef>
+          <a:effectRef idx="1">
+            <a:schemeClr val="accent4"/>
+          </a:effectRef>
+          <a:fontRef idx="minor">
+            <a:schemeClr val="dk1"/>
+          </a:fontRef>
+        </p:style>
+        <p:txBody>
+          <a:bodyPr lIns="0" tIns="0" rIns="0" bIns="0" anchor="ctr"/>
+          <a:lstStyle>
+            <a:lvl1pPr algn="ctr">
+              <a:lnSpc>
+                <a:spcPct val="80000"/>
+              </a:lnSpc>
+              <a:spcBef>
+                <a:spcPts val="0"/>
+              </a:spcBef>
+              <a:buClr>
+                <a:schemeClr val="accent4">
+                  <a:hueOff val="384618"/>
+                  <a:satOff val="3869"/>
+                  <a:lumOff val="5802"/>
+                </a:schemeClr>
+              </a:buClr>
+              <a:defRPr>
+                <a:solidFill>
+                  <a:srgbClr val="FFFFFF"/>
+                </a:solidFill>
+              </a:defRPr>
+            </a:lvl1pPr>
+          </a:lstStyle>
+          <a:p>
+            <a:endParaRPr lang="en-US" dirty="0" smtClean="0">
+              <a:solidFill>
+                <a:schemeClr val="tx1"/>
+              </a:solidFill>
+            </a:endParaRPr>
+          </a:p>
+          <a:p>
+            <a:r>
+              <a:rPr lang="en-US" dirty="0" smtClean="0">
+                <a:solidFill>
+                  <a:schemeClr val="tx1"/>
+                </a:solidFill>
+              </a:rPr>
+              <a:t> </a:t>
+            </a:r>
+            <a:r>
+              <a:rPr lang="en-US" b="0" dirty="0" smtClean="0">
+                <a:solidFill>
+                  <a:schemeClr val="tx1"/>
+                </a:solidFill>
+              </a:rPr>
+              <a:t>use</a:t>
+            </a:r>
+            <a:r>
+              <a:rPr lang="en-US" dirty="0" smtClean="0">
+                <a:solidFill>
+                  <a:schemeClr val="tx1"/>
+                </a:solidFill>
+              </a:rPr>
+              <a:t> </a:t>
+            </a:r>
+            <a:r>
+              <a:rPr lang="en-US" dirty="0" smtClean="0">
+                <a:solidFill>
+                  <a:schemeClr val="tx1"/>
+                </a:solidFill>
+                <a:hlinkClick r:id="rId10" tooltip="awk tool link"/>
+              </a:rPr>
+              <a:t>awk</a:t>
+            </a:r>
+            <a:r>
+              <a:rPr lang="en-US" dirty="0" smtClean="0">
+                <a:solidFill>
+                  <a:schemeClr val="tx1"/>
+                </a:solidFill>
+              </a:rPr>
+              <a:t> </a:t>
+            </a:r>
+            <a:r>
+              <a:rPr lang="en-US" b="0" dirty="0" smtClean="0">
+                <a:solidFill>
+                  <a:schemeClr val="tx1"/>
+                </a:solidFill>
+              </a:rPr>
+              <a:t>tool for complex patterns</a:t>
+            </a:r>
+            <a:endParaRPr b="0" dirty="0">
+              <a:solidFill>
+                <a:schemeClr val="tx1"/>
+              </a:solidFill>
+            </a:endParaRPr>
+          </a:p>
+        </p:txBody>
+      </p:sp>
+      <p:sp>
+        <p:nvSpPr>
+          <p:cNvPr id="48" name="Cheatsheets make it easy for R users…"/>
+          <p:cNvSpPr txBox="1"/>
+          <p:nvPr/>
+        </p:nvSpPr>
+        <p:spPr>
+          <a:xfrm>
+            <a:off x="3622164" y="3880565"/>
+            <a:ext cx="3355965" cy="1104656"/>
+          </a:xfrm>
+          <a:prstGeom prst="rect">
+            <a:avLst/>
+          </a:prstGeom>
+          <a:noFill/>
+          <a:ln>
+            <a:solidFill>
+              <a:schemeClr val="bg1"/>
+            </a:solidFill>
+            <a:prstDash val="sysDot"/>
+          </a:ln>
+          <a:extLst>
+            <a:ext uri="{C572A759-6A51-4108-AA02-DFA0A04FC94B}">
+              <ma14:wrappingTextBoxFlag xmlns:ma14="http://schemas.microsoft.com/office/mac/drawingml/2011/main" xmlns:a14="http://schemas.microsoft.com/office/drawing/2010/main" xmlns:m="http://schemas.openxmlformats.org/officeDocument/2006/math" xmlns="" val="1"/>
+            </a:ext>
+          </a:extLst>
+        </p:spPr>
+        <p:style>
+          <a:lnRef idx="2">
+            <a:schemeClr val="accent6"/>
+          </a:lnRef>
+          <a:fillRef idx="1">
+            <a:schemeClr val="lt1"/>
+          </a:fillRef>
+          <a:effectRef idx="0">
+            <a:schemeClr val="accent6"/>
+          </a:effectRef>
+          <a:fontRef idx="minor">
+            <a:schemeClr val="dk1"/>
+          </a:fontRef>
+        </p:style>
+        <p:txBody>
+          <a:bodyPr lIns="12700" tIns="12700" rIns="12700" bIns="12700"/>
+          <a:lstStyle/>
+          <a:p>
+            <a:r>
+              <a:rPr lang="en-US" b="0" dirty="0" smtClean="0"/>
+              <a:t>Choose column </a:t>
+            </a:r>
+            <a:r>
+              <a:rPr lang="en-US" b="0" dirty="0" smtClean="0"/>
+              <a:t>number </a:t>
+            </a:r>
+            <a:r>
+              <a:rPr lang="en-US" b="0" dirty="0" smtClean="0"/>
+              <a:t>to look at, use </a:t>
+            </a:r>
+            <a:endParaRPr lang="ru-RU" b="0" dirty="0" smtClean="0"/>
+          </a:p>
+          <a:p>
+            <a:r>
+              <a:rPr lang="en-US" dirty="0" smtClean="0"/>
+              <a:t>“Find pattern</a:t>
+            </a:r>
+            <a:r>
+              <a:rPr lang="de-DE" dirty="0" smtClean="0"/>
+              <a:t>“ </a:t>
+            </a:r>
+            <a:r>
+              <a:rPr lang="de-DE" b="0" dirty="0" smtClean="0"/>
+              <a:t>and type </a:t>
+            </a:r>
+            <a:r>
+              <a:rPr lang="en-US" b="0" dirty="0" smtClean="0"/>
+              <a:t>expression to be replaced. </a:t>
+            </a:r>
+            <a:r>
+              <a:rPr lang="en-US" dirty="0" smtClean="0"/>
+              <a:t>Replace with: </a:t>
+            </a:r>
+            <a:r>
+              <a:rPr lang="en-US" b="0" dirty="0" smtClean="0"/>
+              <a:t>text, or &amp; (ampersand) and \\1 </a:t>
+            </a:r>
+            <a:r>
+              <a:rPr lang="en-US" b="0" dirty="0" smtClean="0"/>
+              <a:t> (\\ is a term to find a digit) </a:t>
+            </a:r>
+            <a:r>
+              <a:rPr lang="en-US" dirty="0" smtClean="0"/>
+              <a:t>Insert Replacement – </a:t>
+            </a:r>
+            <a:r>
+              <a:rPr lang="en-US" b="0" dirty="0" smtClean="0"/>
+              <a:t>adds a new replacement for a new </a:t>
+            </a:r>
+            <a:r>
+              <a:rPr lang="en-US" b="0" dirty="0" smtClean="0"/>
+              <a:t>column</a:t>
+            </a:r>
+            <a:endParaRPr lang="en-US" b="0" dirty="0" smtClean="0"/>
+          </a:p>
+          <a:p>
+            <a:endParaRPr lang="ru-RU" dirty="0" smtClean="0"/>
+          </a:p>
+          <a:p>
+            <a:endParaRPr lang="ru-RU" dirty="0" smtClean="0"/>
+          </a:p>
+        </p:txBody>
+      </p:sp>
+      <p:sp>
+        <p:nvSpPr>
+          <p:cNvPr id="49" name="Cheatsheets make it easy for R users…"/>
+          <p:cNvSpPr txBox="1"/>
+          <p:nvPr/>
+        </p:nvSpPr>
+        <p:spPr>
+          <a:xfrm>
+            <a:off x="10787890" y="3939832"/>
+            <a:ext cx="2766593" cy="884276"/>
+          </a:xfrm>
+          <a:prstGeom prst="rect">
+            <a:avLst/>
+          </a:prstGeom>
+          <a:noFill/>
+          <a:ln w="6350">
+            <a:noFill/>
+          </a:ln>
+          <a:effectLst>
+            <a:outerShdw blurRad="50800" dist="38100" dir="5400000" algn="t" rotWithShape="0">
+              <a:prstClr val="black">
+                <a:alpha val="40000"/>
+              </a:prstClr>
+            </a:outerShdw>
+          </a:effectLst>
+          <a:extLst>
+            <a:ext uri="{C572A759-6A51-4108-AA02-DFA0A04FC94B}">
+              <ma14:wrappingTextBoxFlag xmlns:ma14="http://schemas.microsoft.com/office/mac/drawingml/2011/main" xmlns:a14="http://schemas.microsoft.com/office/drawing/2010/main" xmlns:m="http://schemas.openxmlformats.org/officeDocument/2006/math" xmlns="" val="1"/>
+            </a:ext>
+          </a:extLst>
+        </p:spPr>
+        <p:style>
+          <a:lnRef idx="1">
+            <a:schemeClr val="dk1"/>
+          </a:lnRef>
+          <a:fillRef idx="2">
+            <a:schemeClr val="dk1"/>
+          </a:fillRef>
+          <a:effectRef idx="1">
+            <a:schemeClr val="dk1"/>
+          </a:effectRef>
+          <a:fontRef idx="minor">
+            <a:schemeClr val="dk1"/>
+          </a:fontRef>
+        </p:style>
+        <p:txBody>
+          <a:bodyPr lIns="12700" tIns="12700" rIns="12700" bIns="12700"/>
+          <a:lstStyle/>
+          <a:p>
+            <a:r>
+              <a:rPr lang="en-US" sz="1400" dirty="0" smtClean="0"/>
+              <a:t>For i.e. to convert the chromosome names, to change 20 and 21 to X and </a:t>
+            </a:r>
+            <a:r>
+              <a:rPr lang="en-US" sz="1400" dirty="0" smtClean="0"/>
+              <a:t>Y</a:t>
+            </a:r>
+            <a:endParaRPr lang="ru-RU" sz="1400" dirty="0" smtClean="0"/>
+          </a:p>
+        </p:txBody>
+      </p:sp>
+      <p:sp>
+        <p:nvSpPr>
+          <p:cNvPr id="50" name="Cheatsheets make it easy for R users…"/>
+          <p:cNvSpPr txBox="1"/>
+          <p:nvPr/>
+        </p:nvSpPr>
+        <p:spPr>
+          <a:xfrm>
+            <a:off x="7311733" y="3939832"/>
+            <a:ext cx="3091601" cy="479768"/>
+          </a:xfrm>
+          <a:prstGeom prst="rect">
+            <a:avLst/>
+          </a:prstGeom>
+          <a:noFill/>
+          <a:ln>
+            <a:solidFill>
+              <a:schemeClr val="bg1">
+                <a:lumMod val="85000"/>
+              </a:schemeClr>
+            </a:solidFill>
+            <a:prstDash val="sysDot"/>
+          </a:ln>
+          <a:extLst>
+            <a:ext uri="{C572A759-6A51-4108-AA02-DFA0A04FC94B}">
+              <ma14:wrappingTextBoxFlag xmlns:ma14="http://schemas.microsoft.com/office/mac/drawingml/2011/main" xmlns:a14="http://schemas.microsoft.com/office/drawing/2010/main" xmlns:m="http://schemas.openxmlformats.org/officeDocument/2006/math" xmlns="" val="1"/>
+            </a:ext>
+          </a:extLst>
+        </p:spPr>
+        <p:style>
+          <a:lnRef idx="2">
+            <a:schemeClr val="accent6"/>
+          </a:lnRef>
+          <a:fillRef idx="1">
+            <a:schemeClr val="lt1"/>
+          </a:fillRef>
+          <a:effectRef idx="0">
+            <a:schemeClr val="accent6"/>
+          </a:effectRef>
+          <a:fontRef idx="minor">
+            <a:schemeClr val="dk1"/>
+          </a:fontRef>
+        </p:style>
+        <p:txBody>
+          <a:bodyPr lIns="12700" tIns="12700" rIns="12700" bIns="12700"/>
+          <a:lstStyle/>
+          <a:p>
+            <a:r>
+              <a:rPr lang="en-US" b="0" dirty="0" smtClean="0"/>
+              <a:t>The same text file in a </a:t>
+            </a:r>
+            <a:r>
+              <a:rPr lang="en-US" dirty="0" smtClean="0"/>
+              <a:t>*.</a:t>
+            </a:r>
+            <a:r>
+              <a:rPr lang="en-US" dirty="0" err="1" smtClean="0"/>
+              <a:t>gzip</a:t>
+            </a:r>
+            <a:r>
+              <a:rPr lang="en-US" dirty="0" smtClean="0"/>
+              <a:t> </a:t>
+            </a:r>
+            <a:r>
+              <a:rPr lang="en-US" b="0" dirty="0" smtClean="0"/>
+              <a:t>with replacement or replacements  </a:t>
+            </a:r>
+            <a:endParaRPr lang="ru-RU" b="0" dirty="0" smtClean="0"/>
+          </a:p>
+          <a:p>
+            <a:endParaRPr sz="1400" b="0" dirty="0">
+              <a:latin typeface="Times New Roman" pitchFamily="18" charset="0"/>
+              <a:ea typeface="Arial Unicode MS" pitchFamily="34" charset="-128"/>
+              <a:cs typeface="Times New Roman" pitchFamily="18" charset="0"/>
+            </a:endParaRPr>
+          </a:p>
+        </p:txBody>
+      </p:sp>
+      <p:sp>
+        <p:nvSpPr>
+          <p:cNvPr id="53" name="Line"/>
+          <p:cNvSpPr/>
+          <p:nvPr/>
+        </p:nvSpPr>
+        <p:spPr>
+          <a:xfrm>
+            <a:off x="370558" y="5209308"/>
+            <a:ext cx="3031485" cy="1"/>
+          </a:xfrm>
+          <a:prstGeom prst="line">
+            <a:avLst/>
+          </a:prstGeom>
+          <a:ln w="12700">
+            <a:solidFill>
+              <a:srgbClr val="4C4C4C"/>
+            </a:solidFill>
+            <a:custDash>
+              <a:ds d="100000" sp="200000"/>
+            </a:custDash>
+          </a:ln>
+        </p:spPr>
+        <p:txBody>
+          <a:bodyPr lIns="54570" tIns="54570" rIns="54570" bIns="54570" anchor="ctr"/>
+          <a:lstStyle/>
+          <a:p>
+            <a:pPr>
+              <a:lnSpc>
+                <a:spcPct val="80000"/>
+              </a:lnSpc>
+              <a:spcBef>
+                <a:spcPts val="600"/>
+              </a:spcBef>
+              <a:defRPr b="0">
+                <a:solidFill>
+                  <a:srgbClr val="000000"/>
+                </a:solidFill>
+              </a:defRPr>
+            </a:pPr>
+            <a:endParaRPr/>
+          </a:p>
+        </p:txBody>
+      </p:sp>
+      <p:sp>
+        <p:nvSpPr>
+          <p:cNvPr id="54" name="Line"/>
+          <p:cNvSpPr/>
+          <p:nvPr/>
+        </p:nvSpPr>
+        <p:spPr>
+          <a:xfrm>
+            <a:off x="3635278" y="5209307"/>
+            <a:ext cx="3031485" cy="1"/>
+          </a:xfrm>
+          <a:prstGeom prst="line">
+            <a:avLst/>
+          </a:prstGeom>
+          <a:ln w="12700">
+            <a:solidFill>
+              <a:srgbClr val="4C4C4C"/>
+            </a:solidFill>
+            <a:custDash>
+              <a:ds d="100000" sp="200000"/>
+            </a:custDash>
+          </a:ln>
+        </p:spPr>
+        <p:txBody>
+          <a:bodyPr lIns="54570" tIns="54570" rIns="54570" bIns="54570" anchor="ctr"/>
+          <a:lstStyle/>
+          <a:p>
+            <a:pPr>
+              <a:lnSpc>
+                <a:spcPct val="80000"/>
+              </a:lnSpc>
+              <a:spcBef>
+                <a:spcPts val="600"/>
+              </a:spcBef>
+              <a:defRPr b="0">
+                <a:solidFill>
+                  <a:srgbClr val="000000"/>
+                </a:solidFill>
+              </a:defRPr>
+            </a:pPr>
+            <a:endParaRPr/>
+          </a:p>
+        </p:txBody>
+      </p:sp>
+      <p:sp>
+        <p:nvSpPr>
+          <p:cNvPr id="55" name="Line"/>
+          <p:cNvSpPr/>
+          <p:nvPr/>
+        </p:nvSpPr>
+        <p:spPr>
+          <a:xfrm flipV="1">
+            <a:off x="10787890" y="5209313"/>
+            <a:ext cx="2888348" cy="0"/>
+          </a:xfrm>
+          <a:prstGeom prst="line">
+            <a:avLst/>
+          </a:prstGeom>
+          <a:ln w="12700">
+            <a:solidFill>
+              <a:srgbClr val="4C4C4C"/>
+            </a:solidFill>
+            <a:custDash>
+              <a:ds d="100000" sp="200000"/>
+            </a:custDash>
+          </a:ln>
+        </p:spPr>
+        <p:txBody>
+          <a:bodyPr lIns="54570" tIns="54570" rIns="54570" bIns="54570" anchor="ctr"/>
+          <a:lstStyle/>
+          <a:p>
+            <a:pPr>
+              <a:lnSpc>
+                <a:spcPct val="80000"/>
+              </a:lnSpc>
+              <a:spcBef>
+                <a:spcPts val="600"/>
+              </a:spcBef>
+              <a:defRPr b="0">
+                <a:solidFill>
+                  <a:srgbClr val="000000"/>
+                </a:solidFill>
+              </a:defRPr>
+            </a:pPr>
+            <a:endParaRPr/>
+          </a:p>
+        </p:txBody>
+      </p:sp>
+      <p:sp>
+        <p:nvSpPr>
+          <p:cNvPr id="56" name="Line"/>
+          <p:cNvSpPr/>
+          <p:nvPr/>
+        </p:nvSpPr>
+        <p:spPr>
+          <a:xfrm>
+            <a:off x="3635278" y="8035638"/>
+            <a:ext cx="3031485" cy="1"/>
+          </a:xfrm>
+          <a:prstGeom prst="line">
+            <a:avLst/>
+          </a:prstGeom>
+          <a:ln w="12700">
+            <a:solidFill>
+              <a:srgbClr val="4C4C4C"/>
+            </a:solidFill>
+            <a:custDash>
+              <a:ds d="100000" sp="200000"/>
+            </a:custDash>
+          </a:ln>
+        </p:spPr>
+        <p:txBody>
+          <a:bodyPr lIns="54570" tIns="54570" rIns="54570" bIns="54570" anchor="ctr"/>
+          <a:lstStyle/>
+          <a:p>
+            <a:pPr>
+              <a:lnSpc>
+                <a:spcPct val="80000"/>
+              </a:lnSpc>
+              <a:spcBef>
+                <a:spcPts val="600"/>
+              </a:spcBef>
+              <a:defRPr b="0">
+                <a:solidFill>
+                  <a:srgbClr val="000000"/>
+                </a:solidFill>
+              </a:defRPr>
+            </a:pPr>
+            <a:endParaRPr/>
+          </a:p>
+        </p:txBody>
+      </p:sp>
+      <p:sp>
+        <p:nvSpPr>
+          <p:cNvPr id="57" name="Line"/>
+          <p:cNvSpPr/>
+          <p:nvPr/>
+        </p:nvSpPr>
+        <p:spPr>
+          <a:xfrm>
+            <a:off x="241300" y="8035639"/>
+            <a:ext cx="3031485" cy="1"/>
+          </a:xfrm>
+          <a:prstGeom prst="line">
+            <a:avLst/>
+          </a:prstGeom>
+          <a:ln w="12700">
+            <a:solidFill>
+              <a:srgbClr val="4C4C4C"/>
+            </a:solidFill>
+            <a:custDash>
+              <a:ds d="100000" sp="200000"/>
+            </a:custDash>
+          </a:ln>
+        </p:spPr>
+        <p:txBody>
+          <a:bodyPr lIns="54570" tIns="54570" rIns="54570" bIns="54570" anchor="ctr"/>
+          <a:lstStyle/>
+          <a:p>
+            <a:pPr>
+              <a:lnSpc>
+                <a:spcPct val="80000"/>
+              </a:lnSpc>
+              <a:spcBef>
+                <a:spcPts val="600"/>
+              </a:spcBef>
+              <a:defRPr b="0">
+                <a:solidFill>
+                  <a:srgbClr val="000000"/>
+                </a:solidFill>
+              </a:defRPr>
+            </a:pPr>
+            <a:endParaRPr/>
+          </a:p>
+        </p:txBody>
+      </p:sp>
+      <p:sp>
+        <p:nvSpPr>
+          <p:cNvPr id="58" name="Line"/>
+          <p:cNvSpPr/>
+          <p:nvPr/>
+        </p:nvSpPr>
+        <p:spPr>
+          <a:xfrm>
+            <a:off x="7311733" y="8035637"/>
+            <a:ext cx="3031485" cy="1"/>
+          </a:xfrm>
+          <a:prstGeom prst="line">
+            <a:avLst/>
+          </a:prstGeom>
+          <a:ln w="12700">
+            <a:solidFill>
+              <a:srgbClr val="4C4C4C"/>
+            </a:solidFill>
+            <a:custDash>
+              <a:ds d="100000" sp="200000"/>
+            </a:custDash>
+          </a:ln>
+        </p:spPr>
+        <p:txBody>
+          <a:bodyPr lIns="54570" tIns="54570" rIns="54570" bIns="54570" anchor="ctr"/>
+          <a:lstStyle/>
+          <a:p>
+            <a:pPr>
+              <a:lnSpc>
+                <a:spcPct val="80000"/>
+              </a:lnSpc>
+              <a:spcBef>
+                <a:spcPts val="600"/>
+              </a:spcBef>
+              <a:defRPr b="0">
+                <a:solidFill>
+                  <a:srgbClr val="000000"/>
+                </a:solidFill>
+              </a:defRPr>
+            </a:pPr>
+            <a:endParaRPr/>
+          </a:p>
+        </p:txBody>
+      </p:sp>
+      <p:sp>
+        <p:nvSpPr>
+          <p:cNvPr id="59" name="Прямоугольник 58"/>
+          <p:cNvSpPr/>
+          <p:nvPr/>
+        </p:nvSpPr>
+        <p:spPr>
+          <a:xfrm>
+            <a:off x="433813" y="5209313"/>
+            <a:ext cx="2937198" cy="307777"/>
+          </a:xfrm>
+          <a:prstGeom prst="rect">
+            <a:avLst/>
+          </a:prstGeom>
+        </p:spPr>
+        <p:txBody>
+          <a:bodyPr wrap="square">
+            <a:spAutoFit/>
+          </a:bodyPr>
+          <a:lstStyle/>
+          <a:p>
+            <a:pPr algn="r"/>
+            <a:r>
+              <a:rPr lang="en-US" sz="1400" dirty="0" smtClean="0">
+                <a:hlinkClick r:id="rId11" tooltip="Go to Get flanks tool"/>
+              </a:rPr>
+              <a:t>Get flanks </a:t>
+            </a:r>
+            <a:endParaRPr lang="ru-RU" sz="1400" dirty="0" smtClean="0"/>
+          </a:p>
+        </p:txBody>
+      </p:sp>
+      <p:sp>
+        <p:nvSpPr>
+          <p:cNvPr id="60" name="Cheatsheets make it easy for R users…"/>
+          <p:cNvSpPr txBox="1"/>
+          <p:nvPr/>
+        </p:nvSpPr>
+        <p:spPr>
+          <a:xfrm>
+            <a:off x="344041" y="5514105"/>
+            <a:ext cx="2830268" cy="699654"/>
+          </a:xfrm>
+          <a:prstGeom prst="rect">
+            <a:avLst/>
+          </a:prstGeom>
+          <a:noFill/>
+          <a:ln>
+            <a:solidFill>
+              <a:schemeClr val="accent4">
+                <a:lumMod val="60000"/>
+                <a:lumOff val="40000"/>
+              </a:schemeClr>
+            </a:solidFill>
+          </a:ln>
+          <a:extLst>
+            <a:ext uri="{C572A759-6A51-4108-AA02-DFA0A04FC94B}">
+              <ma14:wrappingTextBoxFlag xmlns:ma14="http://schemas.microsoft.com/office/mac/drawingml/2011/main" xmlns:a14="http://schemas.microsoft.com/office/drawing/2010/main" xmlns:m="http://schemas.openxmlformats.org/officeDocument/2006/math" xmlns="" val="1"/>
+            </a:ext>
+          </a:extLst>
+        </p:spPr>
+        <p:style>
+          <a:lnRef idx="2">
+            <a:schemeClr val="accent4"/>
+          </a:lnRef>
+          <a:fillRef idx="1">
+            <a:schemeClr val="lt1"/>
+          </a:fillRef>
+          <a:effectRef idx="0">
+            <a:schemeClr val="accent4"/>
+          </a:effectRef>
+          <a:fontRef idx="minor">
+            <a:schemeClr val="dk1"/>
+          </a:fontRef>
+        </p:style>
+        <p:txBody>
+          <a:bodyPr lIns="12700" tIns="12700" rIns="12700" bIns="12700"/>
+          <a:lstStyle/>
+          <a:p>
+            <a:pPr>
+              <a:lnSpc>
+                <a:spcPct val="90000"/>
+              </a:lnSpc>
+              <a:spcBef>
+                <a:spcPts val="0"/>
+              </a:spcBef>
+              <a:defRPr>
+                <a:solidFill>
+                  <a:srgbClr val="000000"/>
+                </a:solidFill>
+              </a:defRPr>
+            </a:pPr>
+            <a:r>
+              <a:rPr lang="en-US" sz="1400" b="0" dirty="0" smtClean="0">
+                <a:solidFill>
+                  <a:srgbClr val="000000"/>
+                </a:solidFill>
+                <a:latin typeface="Times New Roman" pitchFamily="18" charset="0"/>
+                <a:ea typeface="Arial Unicode MS" pitchFamily="34" charset="-128"/>
+                <a:cs typeface="Times New Roman" pitchFamily="18" charset="0"/>
+              </a:rPr>
+              <a:t>Find </a:t>
+            </a:r>
+            <a:r>
+              <a:rPr lang="en-US" sz="1400" b="0" dirty="0" smtClean="0">
+                <a:solidFill>
+                  <a:srgbClr val="000000"/>
+                </a:solidFill>
+                <a:latin typeface="Times New Roman" pitchFamily="18" charset="0"/>
+                <a:ea typeface="Arial Unicode MS" pitchFamily="34" charset="-128"/>
+                <a:cs typeface="Times New Roman" pitchFamily="18" charset="0"/>
+              </a:rPr>
+              <a:t>the upstream and/or downstream flanking region(s) of all the selected regions</a:t>
+            </a:r>
+            <a:endParaRPr lang="ru-RU" sz="1400" b="0" dirty="0" smtClean="0">
+              <a:solidFill>
+                <a:srgbClr val="000000"/>
+              </a:solidFill>
+              <a:latin typeface="Times New Roman" pitchFamily="18" charset="0"/>
+              <a:ea typeface="Arial Unicode MS" pitchFamily="34" charset="-128"/>
+              <a:cs typeface="Times New Roman" pitchFamily="18" charset="0"/>
+            </a:endParaRPr>
+          </a:p>
+        </p:txBody>
+      </p:sp>
+      <p:sp>
+        <p:nvSpPr>
+          <p:cNvPr id="61" name="Cheatsheets make it easy for R users…"/>
+          <p:cNvSpPr txBox="1"/>
+          <p:nvPr/>
+        </p:nvSpPr>
+        <p:spPr>
+          <a:xfrm>
+            <a:off x="3635278" y="5517090"/>
+            <a:ext cx="3355965" cy="523491"/>
+          </a:xfrm>
+          <a:prstGeom prst="rect">
+            <a:avLst/>
+          </a:prstGeom>
+          <a:noFill/>
+          <a:ln>
+            <a:solidFill>
+              <a:schemeClr val="bg1"/>
+            </a:solidFill>
+            <a:prstDash val="sysDot"/>
+          </a:ln>
+          <a:extLst>
+            <a:ext uri="{C572A759-6A51-4108-AA02-DFA0A04FC94B}">
+              <ma14:wrappingTextBoxFlag xmlns:ma14="http://schemas.microsoft.com/office/mac/drawingml/2011/main" xmlns:a14="http://schemas.microsoft.com/office/drawing/2010/main" xmlns:m="http://schemas.openxmlformats.org/officeDocument/2006/math" xmlns="" val="1"/>
+            </a:ext>
+          </a:extLst>
+        </p:spPr>
+        <p:style>
+          <a:lnRef idx="2">
+            <a:schemeClr val="accent6"/>
+          </a:lnRef>
+          <a:fillRef idx="1">
+            <a:schemeClr val="lt1"/>
+          </a:fillRef>
+          <a:effectRef idx="0">
+            <a:schemeClr val="accent6"/>
+          </a:effectRef>
+          <a:fontRef idx="minor">
+            <a:schemeClr val="dk1"/>
+          </a:fontRef>
+        </p:style>
+        <p:txBody>
+          <a:bodyPr lIns="12700" tIns="12700" rIns="12700" bIns="12700"/>
+          <a:lstStyle/>
+          <a:p>
+            <a:r>
+              <a:rPr lang="en-US" dirty="0" smtClean="0"/>
+              <a:t>Every line should </a:t>
+            </a:r>
+            <a:r>
+              <a:rPr lang="en-US" dirty="0" smtClean="0">
+                <a:solidFill>
+                  <a:schemeClr val="accent5">
+                    <a:lumMod val="75000"/>
+                  </a:schemeClr>
+                </a:solidFill>
+              </a:rPr>
+              <a:t>contain at least 3 columns</a:t>
+            </a:r>
+            <a:r>
+              <a:rPr lang="en-US" dirty="0" smtClean="0"/>
+              <a:t>: Chromosome number, Start and Stop co-ordinates</a:t>
+            </a:r>
+            <a:endParaRPr lang="ru-RU" b="0" dirty="0" smtClean="0"/>
+          </a:p>
+          <a:p>
+            <a:endParaRPr lang="ru-RU" dirty="0" smtClean="0"/>
+          </a:p>
+        </p:txBody>
+      </p:sp>
+      <p:sp>
+        <p:nvSpPr>
+          <p:cNvPr id="64" name="Cheatsheets make it easy for R users…"/>
+          <p:cNvSpPr txBox="1"/>
+          <p:nvPr/>
+        </p:nvSpPr>
+        <p:spPr>
+          <a:xfrm>
+            <a:off x="7195242" y="5514104"/>
+            <a:ext cx="3091601" cy="526477"/>
+          </a:xfrm>
+          <a:prstGeom prst="rect">
+            <a:avLst/>
+          </a:prstGeom>
+          <a:noFill/>
+          <a:ln>
+            <a:solidFill>
+              <a:schemeClr val="bg1">
+                <a:lumMod val="85000"/>
+              </a:schemeClr>
+            </a:solidFill>
+            <a:prstDash val="sysDot"/>
+          </a:ln>
+          <a:extLst>
+            <a:ext uri="{C572A759-6A51-4108-AA02-DFA0A04FC94B}">
+              <ma14:wrappingTextBoxFlag xmlns:ma14="http://schemas.microsoft.com/office/mac/drawingml/2011/main" xmlns:a14="http://schemas.microsoft.com/office/drawing/2010/main" xmlns:m="http://schemas.openxmlformats.org/officeDocument/2006/math" xmlns="" val="1"/>
+            </a:ext>
+          </a:extLst>
+        </p:spPr>
+        <p:style>
+          <a:lnRef idx="2">
+            <a:schemeClr val="accent6"/>
+          </a:lnRef>
+          <a:fillRef idx="1">
+            <a:schemeClr val="lt1"/>
+          </a:fillRef>
+          <a:effectRef idx="0">
+            <a:schemeClr val="accent6"/>
+          </a:effectRef>
+          <a:fontRef idx="minor">
+            <a:schemeClr val="dk1"/>
+          </a:fontRef>
+        </p:style>
+        <p:txBody>
+          <a:bodyPr lIns="12700" tIns="12700" rIns="12700" bIns="12700"/>
+          <a:lstStyle/>
+          <a:p>
+            <a:r>
+              <a:rPr lang="en-US" dirty="0" smtClean="0"/>
+              <a:t>BED </a:t>
+            </a:r>
+            <a:r>
+              <a:rPr lang="en-US" b="0" dirty="0" smtClean="0"/>
+              <a:t>format file with flanking regions for every gene</a:t>
+            </a:r>
+            <a:endParaRPr lang="ru-RU" b="0" dirty="0" smtClean="0"/>
+          </a:p>
+          <a:p>
+            <a:endParaRPr sz="1400" b="0" dirty="0">
+              <a:latin typeface="Times New Roman" pitchFamily="18" charset="0"/>
+              <a:ea typeface="Arial Unicode MS" pitchFamily="34" charset="-128"/>
+              <a:cs typeface="Times New Roman" pitchFamily="18" charset="0"/>
+            </a:endParaRPr>
+          </a:p>
+        </p:txBody>
+      </p:sp>
+      <p:sp>
+        <p:nvSpPr>
+          <p:cNvPr id="66" name="Cheatsheets make it easy for R users…"/>
+          <p:cNvSpPr txBox="1"/>
+          <p:nvPr/>
+        </p:nvSpPr>
+        <p:spPr>
+          <a:xfrm>
+            <a:off x="10798289" y="5329482"/>
+            <a:ext cx="2822271" cy="1292991"/>
+          </a:xfrm>
+          <a:prstGeom prst="rect">
+            <a:avLst/>
+          </a:prstGeom>
+          <a:noFill/>
+          <a:ln w="6350">
+            <a:noFill/>
+          </a:ln>
+          <a:effectLst>
+            <a:outerShdw blurRad="50800" dist="38100" dir="5400000" algn="t" rotWithShape="0">
+              <a:prstClr val="black">
+                <a:alpha val="40000"/>
+              </a:prstClr>
+            </a:outerShdw>
+          </a:effectLst>
+          <a:extLst>
+            <a:ext uri="{C572A759-6A51-4108-AA02-DFA0A04FC94B}">
+              <ma14:wrappingTextBoxFlag xmlns:ma14="http://schemas.microsoft.com/office/mac/drawingml/2011/main" xmlns:a14="http://schemas.microsoft.com/office/drawing/2010/main" xmlns:m="http://schemas.openxmlformats.org/officeDocument/2006/math" xmlns="" val="1"/>
+            </a:ext>
+          </a:extLst>
+        </p:spPr>
+        <p:style>
+          <a:lnRef idx="1">
+            <a:schemeClr val="dk1"/>
+          </a:lnRef>
+          <a:fillRef idx="2">
+            <a:schemeClr val="dk1"/>
+          </a:fillRef>
+          <a:effectRef idx="1">
+            <a:schemeClr val="dk1"/>
+          </a:effectRef>
+          <a:fontRef idx="minor">
+            <a:schemeClr val="dk1"/>
+          </a:fontRef>
+        </p:style>
+        <p:txBody>
+          <a:bodyPr lIns="12700" tIns="12700" rIns="12700" bIns="12700"/>
+          <a:lstStyle/>
+          <a:p>
+            <a:r>
+              <a:rPr lang="en-US" sz="1400" dirty="0" smtClean="0"/>
+              <a:t>Adding promoter regions, i.e. to get regions </a:t>
+            </a:r>
+            <a:r>
+              <a:rPr lang="en-US" sz="1400" dirty="0" smtClean="0"/>
+              <a:t>2kb bases</a:t>
+            </a:r>
+            <a:r>
+              <a:rPr lang="en-US" sz="1400" dirty="0" smtClean="0"/>
+              <a:t> upstream of the start of the gene to 10kb bases downstream of the start (12kb in length)</a:t>
+            </a:r>
+            <a:endParaRPr lang="ru-RU" sz="1400" dirty="0" smtClean="0"/>
+          </a:p>
+        </p:txBody>
+      </p:sp>
+      <p:sp>
+        <p:nvSpPr>
+          <p:cNvPr id="67" name="Прямоугольник 66"/>
+          <p:cNvSpPr/>
+          <p:nvPr/>
+        </p:nvSpPr>
+        <p:spPr>
+          <a:xfrm>
+            <a:off x="155575" y="8035640"/>
+            <a:ext cx="3190854" cy="307777"/>
+          </a:xfrm>
+          <a:prstGeom prst="rect">
+            <a:avLst/>
+          </a:prstGeom>
+        </p:spPr>
+        <p:txBody>
+          <a:bodyPr wrap="square">
+            <a:spAutoFit/>
+          </a:bodyPr>
+          <a:lstStyle/>
+          <a:p>
+            <a:pPr algn="r"/>
+            <a:r>
+              <a:rPr lang="en-US" sz="1400" dirty="0" smtClean="0">
+                <a:hlinkClick r:id="rId12" tooltip="go to Convert tool"/>
+              </a:rPr>
+              <a:t>Convert</a:t>
+            </a:r>
+            <a:endParaRPr lang="ru-RU" sz="1400" dirty="0" smtClean="0"/>
+          </a:p>
+        </p:txBody>
+      </p:sp>
+      <p:sp>
+        <p:nvSpPr>
+          <p:cNvPr id="68" name="Cheatsheets make it easy for R users…"/>
+          <p:cNvSpPr txBox="1"/>
+          <p:nvPr/>
+        </p:nvSpPr>
+        <p:spPr>
+          <a:xfrm>
+            <a:off x="460374" y="8343417"/>
+            <a:ext cx="2740451" cy="239883"/>
+          </a:xfrm>
+          <a:prstGeom prst="rect">
+            <a:avLst/>
+          </a:prstGeom>
+          <a:noFill/>
+          <a:ln>
+            <a:solidFill>
+              <a:schemeClr val="accent4">
+                <a:lumMod val="60000"/>
+                <a:lumOff val="40000"/>
+              </a:schemeClr>
+            </a:solidFill>
+          </a:ln>
+          <a:extLst>
+            <a:ext uri="{C572A759-6A51-4108-AA02-DFA0A04FC94B}">
+              <ma14:wrappingTextBoxFlag xmlns:ma14="http://schemas.microsoft.com/office/mac/drawingml/2011/main" xmlns:a14="http://schemas.microsoft.com/office/drawing/2010/main" xmlns:m="http://schemas.openxmlformats.org/officeDocument/2006/math" xmlns="" val="1"/>
+            </a:ext>
+          </a:extLst>
+        </p:spPr>
+        <p:style>
+          <a:lnRef idx="2">
+            <a:schemeClr val="accent4"/>
+          </a:lnRef>
+          <a:fillRef idx="1">
+            <a:schemeClr val="lt1"/>
+          </a:fillRef>
+          <a:effectRef idx="0">
+            <a:schemeClr val="accent4"/>
+          </a:effectRef>
+          <a:fontRef idx="minor">
+            <a:schemeClr val="dk1"/>
+          </a:fontRef>
+        </p:style>
+        <p:txBody>
+          <a:bodyPr lIns="12700" tIns="12700" rIns="12700" bIns="12700"/>
+          <a:lstStyle/>
+          <a:p>
+            <a:pPr>
+              <a:lnSpc>
+                <a:spcPct val="90000"/>
+              </a:lnSpc>
+              <a:spcBef>
+                <a:spcPts val="0"/>
+              </a:spcBef>
+              <a:defRPr>
+                <a:solidFill>
+                  <a:srgbClr val="000000"/>
+                </a:solidFill>
+              </a:defRPr>
+            </a:pPr>
+            <a:r>
+              <a:rPr lang="en-US" sz="1400" b="0" dirty="0" smtClean="0">
+                <a:solidFill>
+                  <a:srgbClr val="000000"/>
+                </a:solidFill>
+                <a:latin typeface="Times New Roman" pitchFamily="18" charset="0"/>
+                <a:ea typeface="Arial Unicode MS" pitchFamily="34" charset="-128"/>
+                <a:cs typeface="Times New Roman" pitchFamily="18" charset="0"/>
+              </a:rPr>
+              <a:t>Converts  Genomic Intervals To BED</a:t>
+            </a:r>
+            <a:endParaRPr lang="ru-RU" sz="1400" b="0" dirty="0" smtClean="0">
+              <a:solidFill>
+                <a:srgbClr val="000000"/>
+              </a:solidFill>
+              <a:latin typeface="Times New Roman" pitchFamily="18" charset="0"/>
+              <a:ea typeface="Arial Unicode MS" pitchFamily="34" charset="-128"/>
+              <a:cs typeface="Times New Roman" pitchFamily="18" charset="0"/>
+            </a:endParaRPr>
+          </a:p>
+        </p:txBody>
+      </p:sp>
+      <p:sp>
+        <p:nvSpPr>
+          <p:cNvPr id="69" name="Cheatsheets make it easy for R users…"/>
+          <p:cNvSpPr txBox="1"/>
+          <p:nvPr/>
+        </p:nvSpPr>
+        <p:spPr>
+          <a:xfrm>
+            <a:off x="3622164" y="8159668"/>
+            <a:ext cx="3355965" cy="183749"/>
+          </a:xfrm>
+          <a:prstGeom prst="rect">
+            <a:avLst/>
+          </a:prstGeom>
+          <a:noFill/>
+          <a:ln>
+            <a:solidFill>
+              <a:schemeClr val="bg1"/>
+            </a:solidFill>
+            <a:prstDash val="sysDot"/>
+          </a:ln>
+          <a:extLst>
+            <a:ext uri="{C572A759-6A51-4108-AA02-DFA0A04FC94B}">
+              <ma14:wrappingTextBoxFlag xmlns:ma14="http://schemas.microsoft.com/office/mac/drawingml/2011/main" xmlns:a14="http://schemas.microsoft.com/office/drawing/2010/main" xmlns:m="http://schemas.openxmlformats.org/officeDocument/2006/math" xmlns="" val="1"/>
+            </a:ext>
+          </a:extLst>
+        </p:spPr>
+        <p:style>
+          <a:lnRef idx="2">
+            <a:schemeClr val="accent6"/>
+          </a:lnRef>
+          <a:fillRef idx="1">
+            <a:schemeClr val="lt1"/>
+          </a:fillRef>
+          <a:effectRef idx="0">
+            <a:schemeClr val="accent6"/>
+          </a:effectRef>
+          <a:fontRef idx="minor">
+            <a:schemeClr val="dk1"/>
+          </a:fontRef>
+        </p:style>
+        <p:txBody>
+          <a:bodyPr lIns="12700" tIns="12700" rIns="12700" bIns="12700"/>
+          <a:lstStyle/>
+          <a:p>
+            <a:r>
+              <a:rPr lang="en-US" dirty="0" smtClean="0"/>
+              <a:t>Genomic intervals file</a:t>
+            </a:r>
+            <a:endParaRPr lang="ru-RU" dirty="0" smtClean="0"/>
+          </a:p>
+        </p:txBody>
+      </p:sp>
+      <p:sp>
+        <p:nvSpPr>
+          <p:cNvPr id="70" name="Cheatsheets make it easy for R users…"/>
+          <p:cNvSpPr txBox="1"/>
+          <p:nvPr/>
+        </p:nvSpPr>
+        <p:spPr>
+          <a:xfrm>
+            <a:off x="7271988" y="8223475"/>
+            <a:ext cx="3091601" cy="239884"/>
+          </a:xfrm>
+          <a:prstGeom prst="rect">
+            <a:avLst/>
+          </a:prstGeom>
+          <a:noFill/>
+          <a:ln>
+            <a:solidFill>
+              <a:schemeClr val="bg1">
+                <a:lumMod val="85000"/>
+              </a:schemeClr>
+            </a:solidFill>
+            <a:prstDash val="sysDot"/>
+          </a:ln>
+          <a:extLst>
+            <a:ext uri="{C572A759-6A51-4108-AA02-DFA0A04FC94B}">
+              <ma14:wrappingTextBoxFlag xmlns:ma14="http://schemas.microsoft.com/office/mac/drawingml/2011/main" xmlns:a14="http://schemas.microsoft.com/office/drawing/2010/main" xmlns:m="http://schemas.openxmlformats.org/officeDocument/2006/math" xmlns="" val="1"/>
+            </a:ext>
+          </a:extLst>
+        </p:spPr>
+        <p:style>
+          <a:lnRef idx="2">
+            <a:schemeClr val="accent6"/>
+          </a:lnRef>
+          <a:fillRef idx="1">
+            <a:schemeClr val="lt1"/>
+          </a:fillRef>
+          <a:effectRef idx="0">
+            <a:schemeClr val="accent6"/>
+          </a:effectRef>
+          <a:fontRef idx="minor">
+            <a:schemeClr val="dk1"/>
+          </a:fontRef>
+        </p:style>
+        <p:txBody>
+          <a:bodyPr lIns="12700" tIns="12700" rIns="12700" bIns="12700"/>
+          <a:lstStyle/>
+          <a:p>
+            <a:r>
+              <a:rPr lang="en-US" dirty="0" smtClean="0"/>
+              <a:t>BED file</a:t>
+            </a:r>
+            <a:endParaRPr sz="1400" b="0" dirty="0">
+              <a:latin typeface="Times New Roman" pitchFamily="18" charset="0"/>
+              <a:ea typeface="Arial Unicode MS" pitchFamily="34" charset="-128"/>
+              <a:cs typeface="Times New Roman" pitchFamily="18" charset="0"/>
+            </a:endParaRPr>
+          </a:p>
+        </p:txBody>
+      </p:sp>
+      <p:sp>
+        <p:nvSpPr>
+          <p:cNvPr id="71" name="Line"/>
+          <p:cNvSpPr/>
+          <p:nvPr/>
+        </p:nvSpPr>
+        <p:spPr>
+          <a:xfrm>
+            <a:off x="237111" y="8583302"/>
+            <a:ext cx="3031485" cy="1"/>
+          </a:xfrm>
+          <a:prstGeom prst="line">
+            <a:avLst/>
+          </a:prstGeom>
+          <a:ln w="12700">
+            <a:solidFill>
+              <a:srgbClr val="4C4C4C"/>
+            </a:solidFill>
+            <a:custDash>
+              <a:ds d="100000" sp="200000"/>
+            </a:custDash>
+          </a:ln>
+        </p:spPr>
+        <p:txBody>
+          <a:bodyPr lIns="54570" tIns="54570" rIns="54570" bIns="54570" anchor="ctr"/>
+          <a:lstStyle/>
+          <a:p>
+            <a:pPr>
+              <a:lnSpc>
+                <a:spcPct val="80000"/>
+              </a:lnSpc>
+              <a:spcBef>
+                <a:spcPts val="600"/>
+              </a:spcBef>
+              <a:defRPr b="0">
+                <a:solidFill>
+                  <a:srgbClr val="000000"/>
+                </a:solidFill>
+              </a:defRPr>
+            </a:pPr>
+            <a:endParaRPr/>
+          </a:p>
+        </p:txBody>
+      </p:sp>
+      <p:sp>
+        <p:nvSpPr>
+          <p:cNvPr id="72" name="Line"/>
+          <p:cNvSpPr/>
+          <p:nvPr/>
+        </p:nvSpPr>
+        <p:spPr>
+          <a:xfrm>
+            <a:off x="3551234" y="8583301"/>
+            <a:ext cx="3031485" cy="1"/>
+          </a:xfrm>
+          <a:prstGeom prst="line">
+            <a:avLst/>
+          </a:prstGeom>
+          <a:ln w="12700">
+            <a:solidFill>
+              <a:srgbClr val="4C4C4C"/>
+            </a:solidFill>
+            <a:custDash>
+              <a:ds d="100000" sp="200000"/>
+            </a:custDash>
+          </a:ln>
+        </p:spPr>
+        <p:txBody>
+          <a:bodyPr lIns="54570" tIns="54570" rIns="54570" bIns="54570" anchor="ctr"/>
+          <a:lstStyle/>
+          <a:p>
+            <a:pPr>
+              <a:lnSpc>
+                <a:spcPct val="80000"/>
+              </a:lnSpc>
+              <a:spcBef>
+                <a:spcPts val="600"/>
+              </a:spcBef>
+              <a:defRPr b="0">
+                <a:solidFill>
+                  <a:srgbClr val="000000"/>
+                </a:solidFill>
+              </a:defRPr>
+            </a:pPr>
+            <a:endParaRPr/>
+          </a:p>
+        </p:txBody>
+      </p:sp>
+      <p:sp>
+        <p:nvSpPr>
+          <p:cNvPr id="73" name="Line"/>
+          <p:cNvSpPr/>
+          <p:nvPr/>
+        </p:nvSpPr>
+        <p:spPr>
+          <a:xfrm>
+            <a:off x="7311733" y="8583300"/>
+            <a:ext cx="3031485" cy="1"/>
+          </a:xfrm>
+          <a:prstGeom prst="line">
+            <a:avLst/>
+          </a:prstGeom>
+          <a:ln w="12700">
+            <a:solidFill>
+              <a:srgbClr val="4C4C4C"/>
+            </a:solidFill>
+            <a:custDash>
+              <a:ds d="100000" sp="200000"/>
+            </a:custDash>
+          </a:ln>
+        </p:spPr>
+        <p:txBody>
+          <a:bodyPr lIns="54570" tIns="54570" rIns="54570" bIns="54570" anchor="ctr"/>
+          <a:lstStyle/>
+          <a:p>
+            <a:pPr>
+              <a:lnSpc>
+                <a:spcPct val="80000"/>
+              </a:lnSpc>
+              <a:spcBef>
+                <a:spcPts val="600"/>
+              </a:spcBef>
+              <a:defRPr b="0">
+                <a:solidFill>
+                  <a:srgbClr val="000000"/>
+                </a:solidFill>
+              </a:defRPr>
+            </a:pPr>
+            <a:endParaRPr/>
+          </a:p>
+        </p:txBody>
+      </p:sp>
+      <p:sp>
+        <p:nvSpPr>
+          <p:cNvPr id="74" name="Прямоугольник 73"/>
+          <p:cNvSpPr/>
+          <p:nvPr/>
+        </p:nvSpPr>
+        <p:spPr>
+          <a:xfrm>
+            <a:off x="131970" y="8737191"/>
+            <a:ext cx="3190854" cy="307777"/>
+          </a:xfrm>
+          <a:prstGeom prst="rect">
+            <a:avLst/>
+          </a:prstGeom>
+        </p:spPr>
+        <p:txBody>
+          <a:bodyPr wrap="square">
+            <a:spAutoFit/>
+          </a:bodyPr>
+          <a:lstStyle/>
+          <a:p>
+            <a:pPr algn="r"/>
+            <a:r>
+              <a:rPr lang="en-US" sz="1400" dirty="0" smtClean="0">
+                <a:hlinkClick r:id="rId13" tooltip="Go to Intersect tool"/>
+              </a:rPr>
+              <a:t>Intersect</a:t>
+            </a:r>
+            <a:endParaRPr lang="ru-RU" sz="1400" dirty="0" smtClean="0"/>
+          </a:p>
+        </p:txBody>
+      </p:sp>
+      <p:sp>
+        <p:nvSpPr>
+          <p:cNvPr id="75" name="Cheatsheets make it easy for R users…"/>
+          <p:cNvSpPr txBox="1"/>
+          <p:nvPr/>
+        </p:nvSpPr>
+        <p:spPr>
+          <a:xfrm>
+            <a:off x="3551234" y="8682236"/>
+            <a:ext cx="3355965" cy="725464"/>
+          </a:xfrm>
+          <a:prstGeom prst="rect">
+            <a:avLst/>
+          </a:prstGeom>
+          <a:noFill/>
+          <a:ln>
+            <a:solidFill>
+              <a:schemeClr val="bg1"/>
+            </a:solidFill>
+            <a:prstDash val="sysDot"/>
+          </a:ln>
+          <a:extLst>
+            <a:ext uri="{C572A759-6A51-4108-AA02-DFA0A04FC94B}">
+              <ma14:wrappingTextBoxFlag xmlns:ma14="http://schemas.microsoft.com/office/mac/drawingml/2011/main" xmlns:a14="http://schemas.microsoft.com/office/drawing/2010/main" xmlns:m="http://schemas.openxmlformats.org/officeDocument/2006/math" xmlns="" val="1"/>
+            </a:ext>
+          </a:extLst>
+        </p:spPr>
+        <p:style>
+          <a:lnRef idx="2">
+            <a:schemeClr val="accent6"/>
+          </a:lnRef>
+          <a:fillRef idx="1">
+            <a:schemeClr val="lt1"/>
+          </a:fillRef>
+          <a:effectRef idx="0">
+            <a:schemeClr val="accent6"/>
+          </a:effectRef>
+          <a:fontRef idx="minor">
+            <a:schemeClr val="dk1"/>
+          </a:fontRef>
+        </p:style>
+        <p:txBody>
+          <a:bodyPr lIns="12700" tIns="12700" rIns="12700" bIns="12700"/>
+          <a:lstStyle/>
+          <a:p>
+            <a:r>
+              <a:rPr lang="en-US" b="0" dirty="0" smtClean="0"/>
+              <a:t>Choose to return  Overlapping </a:t>
+            </a:r>
+            <a:r>
+              <a:rPr lang="en-US" b="0" dirty="0" smtClean="0"/>
+              <a:t>intervals </a:t>
+            </a:r>
+            <a:r>
+              <a:rPr lang="en-US" b="0" dirty="0" smtClean="0"/>
+              <a:t>OR </a:t>
+            </a:r>
+            <a:r>
+              <a:rPr lang="en-US" b="0" dirty="0" smtClean="0"/>
+              <a:t>Overlapping pieces of intervals </a:t>
+            </a:r>
+            <a:r>
+              <a:rPr lang="en-US" b="0" dirty="0" smtClean="0"/>
+              <a:t> for  </a:t>
+            </a:r>
+            <a:r>
+              <a:rPr lang="en-US" dirty="0" smtClean="0"/>
+              <a:t>TWO datasets in BED format. </a:t>
+            </a:r>
+            <a:r>
+              <a:rPr lang="en-US" dirty="0" smtClean="0">
+                <a:solidFill>
+                  <a:schemeClr val="accent5">
+                    <a:lumMod val="75000"/>
+                  </a:schemeClr>
+                </a:solidFill>
+              </a:rPr>
+              <a:t>The order of  datasets important!</a:t>
+            </a:r>
+            <a:endParaRPr lang="ru-RU" b="0" dirty="0" smtClean="0">
+              <a:solidFill>
+                <a:schemeClr val="accent5">
+                  <a:lumMod val="75000"/>
+                </a:schemeClr>
+              </a:solidFill>
+            </a:endParaRPr>
+          </a:p>
+          <a:p>
+            <a:endParaRPr lang="ru-RU" dirty="0" smtClean="0"/>
+          </a:p>
+        </p:txBody>
+      </p:sp>
+      <p:pic>
+        <p:nvPicPr>
+          <p:cNvPr id="1027" name="Picture 3" descr="intersect_meaning"/>
+          <p:cNvPicPr>
+            <a:picLocks noChangeAspect="1" noChangeArrowheads="1"/>
+          </p:cNvPicPr>
+          <p:nvPr/>
+        </p:nvPicPr>
+        <p:blipFill>
+          <a:blip r:embed="rId14" cstate="print"/>
+          <a:srcRect l="9366" r="6244" b="6273"/>
+          <a:stretch>
+            <a:fillRect/>
+          </a:stretch>
+        </p:blipFill>
+        <p:spPr bwMode="auto">
+          <a:xfrm>
+            <a:off x="3551234" y="9462655"/>
+            <a:ext cx="3091775" cy="1074491"/>
+          </a:xfrm>
+          <a:prstGeom prst="rect">
+            <a:avLst/>
+          </a:prstGeom>
+          <a:noFill/>
+          <a:ln w="9525">
+            <a:noFill/>
+            <a:miter lim="800000"/>
+            <a:headEnd/>
+            <a:tailEnd/>
+          </a:ln>
+        </p:spPr>
+      </p:pic>
+      <p:sp>
+        <p:nvSpPr>
+          <p:cNvPr id="78" name="Cheatsheets make it easy for R users…"/>
+          <p:cNvSpPr txBox="1"/>
+          <p:nvPr/>
+        </p:nvSpPr>
+        <p:spPr>
+          <a:xfrm>
+            <a:off x="7251617" y="8737191"/>
+            <a:ext cx="3091601" cy="526477"/>
+          </a:xfrm>
+          <a:prstGeom prst="rect">
+            <a:avLst/>
+          </a:prstGeom>
+          <a:noFill/>
+          <a:ln>
+            <a:solidFill>
+              <a:schemeClr val="bg1">
+                <a:lumMod val="85000"/>
+              </a:schemeClr>
+            </a:solidFill>
+            <a:prstDash val="sysDot"/>
+          </a:ln>
+          <a:extLst>
+            <a:ext uri="{C572A759-6A51-4108-AA02-DFA0A04FC94B}">
+              <ma14:wrappingTextBoxFlag xmlns:ma14="http://schemas.microsoft.com/office/mac/drawingml/2011/main" xmlns:a14="http://schemas.microsoft.com/office/drawing/2010/main" xmlns:m="http://schemas.openxmlformats.org/officeDocument/2006/math" xmlns="" val="1"/>
+            </a:ext>
+          </a:extLst>
+        </p:spPr>
+        <p:style>
+          <a:lnRef idx="2">
+            <a:schemeClr val="accent6"/>
+          </a:lnRef>
+          <a:fillRef idx="1">
+            <a:schemeClr val="lt1"/>
+          </a:fillRef>
+          <a:effectRef idx="0">
+            <a:schemeClr val="accent6"/>
+          </a:effectRef>
+          <a:fontRef idx="minor">
+            <a:schemeClr val="dk1"/>
+          </a:fontRef>
+        </p:style>
+        <p:txBody>
+          <a:bodyPr lIns="12700" tIns="12700" rIns="12700" bIns="12700"/>
+          <a:lstStyle/>
+          <a:p>
+            <a:r>
+              <a:rPr lang="en-US" dirty="0" smtClean="0"/>
+              <a:t>The intersection of two queries that are </a:t>
+            </a:r>
+            <a:r>
+              <a:rPr lang="en-US" dirty="0" smtClean="0"/>
+              <a:t>found in interval format (BED)</a:t>
+            </a:r>
+            <a:endParaRPr lang="ru-RU" dirty="0" smtClean="0"/>
+          </a:p>
+          <a:p>
+            <a:endParaRPr sz="1400" b="0" dirty="0">
+              <a:latin typeface="Times New Roman" pitchFamily="18" charset="0"/>
+              <a:ea typeface="Arial Unicode MS" pitchFamily="34" charset="-128"/>
+              <a:cs typeface="Times New Roman" pitchFamily="18" charset="0"/>
+            </a:endParaRPr>
+          </a:p>
+        </p:txBody>
+      </p:sp>
+      <p:sp>
+        <p:nvSpPr>
+          <p:cNvPr id="80" name="Cheatsheets make it easy for R users…"/>
+          <p:cNvSpPr txBox="1"/>
+          <p:nvPr/>
+        </p:nvSpPr>
+        <p:spPr>
+          <a:xfrm>
+            <a:off x="10732212" y="8682236"/>
+            <a:ext cx="2822271" cy="1655278"/>
+          </a:xfrm>
+          <a:prstGeom prst="rect">
+            <a:avLst/>
+          </a:prstGeom>
+          <a:noFill/>
+          <a:ln w="6350">
+            <a:noFill/>
+          </a:ln>
+          <a:effectLst>
+            <a:outerShdw blurRad="50800" dist="38100" dir="5400000" algn="t" rotWithShape="0">
+              <a:prstClr val="black">
+                <a:alpha val="40000"/>
+              </a:prstClr>
+            </a:outerShdw>
+          </a:effectLst>
+          <a:extLst>
+            <a:ext uri="{C572A759-6A51-4108-AA02-DFA0A04FC94B}">
+              <ma14:wrappingTextBoxFlag xmlns:ma14="http://schemas.microsoft.com/office/mac/drawingml/2011/main" xmlns:a14="http://schemas.microsoft.com/office/drawing/2010/main" xmlns:m="http://schemas.openxmlformats.org/officeDocument/2006/math" xmlns="" val="1"/>
+            </a:ext>
+          </a:extLst>
+        </p:spPr>
+        <p:style>
+          <a:lnRef idx="1">
+            <a:schemeClr val="dk1"/>
+          </a:lnRef>
+          <a:fillRef idx="2">
+            <a:schemeClr val="dk1"/>
+          </a:fillRef>
+          <a:effectRef idx="1">
+            <a:schemeClr val="dk1"/>
+          </a:effectRef>
+          <a:fontRef idx="minor">
+            <a:schemeClr val="dk1"/>
+          </a:fontRef>
+        </p:style>
+        <p:txBody>
+          <a:bodyPr lIns="12700" tIns="12700" rIns="12700" bIns="12700"/>
+          <a:lstStyle/>
+          <a:p>
+            <a:r>
+              <a:rPr lang="en-US" sz="1400" dirty="0" smtClean="0"/>
+              <a:t> </a:t>
+            </a:r>
+            <a:r>
+              <a:rPr lang="en-US" sz="1400" dirty="0" smtClean="0"/>
+              <a:t>Extracting the </a:t>
+            </a:r>
+            <a:r>
+              <a:rPr lang="en-US" sz="1400" dirty="0" smtClean="0"/>
+              <a:t>genes which overlap/intersect with  peaks regions in a </a:t>
+            </a:r>
+            <a:r>
+              <a:rPr lang="en-US" sz="1400" dirty="0" smtClean="0"/>
+              <a:t>dataset</a:t>
+            </a:r>
+          </a:p>
+          <a:p>
+            <a:endParaRPr lang="ru-RU" sz="1400" dirty="0" smtClean="0"/>
+          </a:p>
+          <a:p>
+            <a:r>
+              <a:rPr lang="en-US" sz="1400" dirty="0" smtClean="0"/>
+              <a:t>Finding all </a:t>
+            </a:r>
+            <a:r>
+              <a:rPr lang="en-US" sz="1400" dirty="0" smtClean="0"/>
+              <a:t>exons containing repeats OR  all regions that are both exonic and repetitive</a:t>
+            </a:r>
+            <a:endParaRPr lang="ru-RU" sz="1400" dirty="0"/>
+          </a:p>
+        </p:txBody>
+      </p:sp>
     </p:spTree>
   </p:cSld>
   <p:clrMapOvr>
@@ -6977,7 +9090,7 @@
 <file path=ppt/theme/theme1.xml><?xml version="1.0" encoding="utf-8"?>
 <a:theme xmlns:a="http://schemas.openxmlformats.org/drawingml/2006/main" name="White">
   <a:themeElements>
-    <a:clrScheme name="White">
+    <a:clrScheme name="Другая 2">
       <a:dk1>
         <a:srgbClr val="4C4C4C"/>
       </a:dk1>
@@ -7009,7 +9122,7 @@
         <a:srgbClr val="773F9B"/>
       </a:accent6>
       <a:hlink>
-        <a:srgbClr val="0000FF"/>
+        <a:srgbClr val="53585F"/>
       </a:hlink>
       <a:folHlink>
         <a:srgbClr val="FF00FF"/>
